--- a/assets/tactile_image_files/0038-Vostok_ice-core/0038-Vostok_ice_core.pptx
+++ b/assets/tactile_image_files/0038-Vostok_ice-core/0038-Vostok_ice_core.pptx
@@ -8,8 +8,8 @@
     <p:notesMasterId r:id="rId5"/>
   </p:notesMasterIdLst>
   <p:sldIdLst>
-    <p:sldId id="268" r:id="rId2"/>
-    <p:sldId id="267" r:id="rId3"/>
+    <p:sldId id="271" r:id="rId2"/>
+    <p:sldId id="270" r:id="rId3"/>
     <p:sldId id="269" r:id="rId4"/>
   </p:sldIdLst>
   <p:sldSz cx="9144000" cy="6858000" type="screen4x3"/>
@@ -198,7 +198,7 @@
           </a:lstStyle>
           <a:p>
             <a:fld id="{DC880F74-5F87-E94E-8AEF-72C270124CC0}" type="datetimeFigureOut">
-              <a:t>7/24/20</a:t>
+              <a:t>6/17/21</a:t>
             </a:fld>
             <a:endParaRPr lang="en-US"/>
           </a:p>
@@ -603,7 +603,7 @@
           <a:p>
             <a:fld id="{E796F801-3BB8-A247-923B-F07F1B58D38A}" type="datetimeFigureOut">
               <a:rPr lang="en-US" smtClean="0"/>
-              <a:t>7/24/20</a:t>
+              <a:t>6/17/21</a:t>
             </a:fld>
             <a:endParaRPr lang="en-US"/>
           </a:p>
@@ -783,7 +783,7 @@
           <a:p>
             <a:fld id="{E796F801-3BB8-A247-923B-F07F1B58D38A}" type="datetimeFigureOut">
               <a:rPr lang="en-US" smtClean="0"/>
-              <a:t>7/24/20</a:t>
+              <a:t>6/17/21</a:t>
             </a:fld>
             <a:endParaRPr lang="en-US"/>
           </a:p>
@@ -953,7 +953,7 @@
           <a:p>
             <a:fld id="{E796F801-3BB8-A247-923B-F07F1B58D38A}" type="datetimeFigureOut">
               <a:rPr lang="en-US" smtClean="0"/>
-              <a:t>7/24/20</a:t>
+              <a:t>6/17/21</a:t>
             </a:fld>
             <a:endParaRPr lang="en-US"/>
           </a:p>
@@ -1197,7 +1197,7 @@
           <a:p>
             <a:fld id="{E796F801-3BB8-A247-923B-F07F1B58D38A}" type="datetimeFigureOut">
               <a:rPr lang="en-US" smtClean="0"/>
-              <a:t>7/24/20</a:t>
+              <a:t>6/17/21</a:t>
             </a:fld>
             <a:endParaRPr lang="en-US"/>
           </a:p>
@@ -1429,7 +1429,7 @@
           <a:p>
             <a:fld id="{E796F801-3BB8-A247-923B-F07F1B58D38A}" type="datetimeFigureOut">
               <a:rPr lang="en-US" smtClean="0"/>
-              <a:t>7/24/20</a:t>
+              <a:t>6/17/21</a:t>
             </a:fld>
             <a:endParaRPr lang="en-US"/>
           </a:p>
@@ -1796,7 +1796,7 @@
           <a:p>
             <a:fld id="{E796F801-3BB8-A247-923B-F07F1B58D38A}" type="datetimeFigureOut">
               <a:rPr lang="en-US" smtClean="0"/>
-              <a:t>7/24/20</a:t>
+              <a:t>6/17/21</a:t>
             </a:fld>
             <a:endParaRPr lang="en-US"/>
           </a:p>
@@ -1914,7 +1914,7 @@
           <a:p>
             <a:fld id="{E796F801-3BB8-A247-923B-F07F1B58D38A}" type="datetimeFigureOut">
               <a:rPr lang="en-US" smtClean="0"/>
-              <a:t>7/24/20</a:t>
+              <a:t>6/17/21</a:t>
             </a:fld>
             <a:endParaRPr lang="en-US"/>
           </a:p>
@@ -2009,7 +2009,7 @@
           <a:p>
             <a:fld id="{E796F801-3BB8-A247-923B-F07F1B58D38A}" type="datetimeFigureOut">
               <a:rPr lang="en-US" smtClean="0"/>
-              <a:t>7/24/20</a:t>
+              <a:t>6/17/21</a:t>
             </a:fld>
             <a:endParaRPr lang="en-US"/>
           </a:p>
@@ -2286,7 +2286,7 @@
           <a:p>
             <a:fld id="{E796F801-3BB8-A247-923B-F07F1B58D38A}" type="datetimeFigureOut">
               <a:rPr lang="en-US" smtClean="0"/>
-              <a:t>7/24/20</a:t>
+              <a:t>6/17/21</a:t>
             </a:fld>
             <a:endParaRPr lang="en-US"/>
           </a:p>
@@ -2543,7 +2543,7 @@
           <a:p>
             <a:fld id="{E796F801-3BB8-A247-923B-F07F1B58D38A}" type="datetimeFigureOut">
               <a:rPr lang="en-US" smtClean="0"/>
-              <a:t>7/24/20</a:t>
+              <a:t>6/17/21</a:t>
             </a:fld>
             <a:endParaRPr lang="en-US"/>
           </a:p>
@@ -2756,7 +2756,7 @@
           <a:p>
             <a:fld id="{E796F801-3BB8-A247-923B-F07F1B58D38A}" type="datetimeFigureOut">
               <a:rPr lang="en-US" smtClean="0"/>
-              <a:t>7/24/20</a:t>
+              <a:t>6/17/21</a:t>
             </a:fld>
             <a:endParaRPr lang="en-US"/>
           </a:p>
@@ -3161,541 +3161,82 @@
           <a:chExt cx="0" cy="0"/>
         </a:xfrm>
       </p:grpSpPr>
-      <p:cxnSp>
-        <p:nvCxnSpPr>
-          <p:cNvPr id="9" name="Straight Connector 8">
+      <p:pic>
+        <p:nvPicPr>
+          <p:cNvPr id="16" name="Picture 15" descr="A close up of a logo&#10;&#10;Description automatically generated">
             <a:extLst>
               <a:ext uri="{FF2B5EF4-FFF2-40B4-BE49-F238E27FC236}">
-                <a16:creationId xmlns:a16="http://schemas.microsoft.com/office/drawing/2014/main" id="{0494374F-20FF-F64E-8012-D659166D6EDC}"/>
+                <a16:creationId xmlns:a16="http://schemas.microsoft.com/office/drawing/2014/main" id="{F4849845-38F1-AA4A-AF31-AA36D6D5B5E2}"/>
               </a:ext>
             </a:extLst>
           </p:cNvPr>
-          <p:cNvCxnSpPr/>
+          <p:cNvPicPr>
+            <a:picLocks noChangeAspect="1"/>
+          </p:cNvPicPr>
           <p:nvPr/>
-        </p:nvCxnSpPr>
+        </p:nvPicPr>
+        <p:blipFill rotWithShape="1">
+          <a:blip r:embed="rId2"/>
+          <a:srcRect b="51891"/>
+          <a:stretch/>
+        </p:blipFill>
         <p:spPr>
           <a:xfrm>
-            <a:off x="8518615" y="49533"/>
-            <a:ext cx="608575" cy="608576"/>
-          </a:xfrm>
-          <a:prstGeom prst="line">
+            <a:off x="723588" y="978408"/>
+            <a:ext cx="8162232" cy="2593131"/>
+          </a:xfrm>
+          <a:prstGeom prst="rect">
             <a:avLst/>
           </a:prstGeom>
-          <a:ln>
-            <a:solidFill>
-              <a:schemeClr val="tx1"/>
-            </a:solidFill>
-            <a:prstDash val="dash"/>
-          </a:ln>
         </p:spPr>
-        <p:style>
-          <a:lnRef idx="1">
-            <a:schemeClr val="accent1"/>
-          </a:lnRef>
-          <a:fillRef idx="0">
-            <a:schemeClr val="accent1"/>
-          </a:fillRef>
-          <a:effectRef idx="0">
-            <a:schemeClr val="accent1"/>
-          </a:effectRef>
-          <a:fontRef idx="minor">
-            <a:schemeClr val="tx1"/>
-          </a:fontRef>
-        </p:style>
-      </p:cxnSp>
-      <p:sp>
-        <p:nvSpPr>
-          <p:cNvPr id="10" name="TextBox 9">
+      </p:pic>
+      <p:pic>
+        <p:nvPicPr>
+          <p:cNvPr id="51" name="Picture 50" descr="A close up of a logo&#10;&#10;Description automatically generated">
             <a:extLst>
               <a:ext uri="{FF2B5EF4-FFF2-40B4-BE49-F238E27FC236}">
-                <a16:creationId xmlns:a16="http://schemas.microsoft.com/office/drawing/2014/main" id="{3F4FC3E5-9FDF-C447-89D3-E61B70F15842}"/>
+                <a16:creationId xmlns:a16="http://schemas.microsoft.com/office/drawing/2014/main" id="{A5200B5B-7667-0E4E-ACFA-217B2DDD39FA}"/>
               </a:ext>
             </a:extLst>
           </p:cNvPr>
-          <p:cNvSpPr txBox="1"/>
+          <p:cNvPicPr>
+            <a:picLocks noChangeAspect="1"/>
+          </p:cNvPicPr>
           <p:nvPr/>
-        </p:nvSpPr>
+        </p:nvPicPr>
+        <p:blipFill rotWithShape="1">
+          <a:blip r:embed="rId2"/>
+          <a:srcRect t="50071"/>
+          <a:stretch/>
+        </p:blipFill>
         <p:spPr>
-          <a:xfrm rot="13228796" flipH="1">
-            <a:off x="8646843" y="164291"/>
-            <a:ext cx="380261" cy="369332"/>
+          <a:xfrm>
+            <a:off x="725382" y="3700626"/>
+            <a:ext cx="8162232" cy="2691205"/>
           </a:xfrm>
           <a:prstGeom prst="rect">
             <a:avLst/>
           </a:prstGeom>
-          <a:noFill/>
         </p:spPr>
-        <p:txBody>
-          <a:bodyPr wrap="square" rtlCol="0">
-            <a:spAutoFit/>
-          </a:bodyPr>
-          <a:lstStyle/>
-          <a:p>
-            <a:r>
-              <a:rPr lang="en-US">
-                <a:latin typeface="Arial" panose="020B0604020202020204" pitchFamily="34" charset="0"/>
-                <a:cs typeface="Arial" panose="020B0604020202020204" pitchFamily="34" charset="0"/>
-              </a:rPr>
-              <a:t>✄ </a:t>
-            </a:r>
-          </a:p>
-        </p:txBody>
-      </p:sp>
-      <p:sp>
-        <p:nvSpPr>
-          <p:cNvPr id="27" name="TextBox 26">
+      </p:pic>
+      <p:cxnSp>
+        <p:nvCxnSpPr>
+          <p:cNvPr id="23" name="Straight Connector 22">
             <a:extLst>
               <a:ext uri="{FF2B5EF4-FFF2-40B4-BE49-F238E27FC236}">
-                <a16:creationId xmlns:a16="http://schemas.microsoft.com/office/drawing/2014/main" id="{C1096F55-4F3D-E84C-84D0-91A246145AB2}"/>
+                <a16:creationId xmlns:a16="http://schemas.microsoft.com/office/drawing/2014/main" id="{345A1EA4-2326-D945-95B7-791CD401F195}"/>
               </a:ext>
             </a:extLst>
           </p:cNvPr>
-          <p:cNvSpPr txBox="1"/>
-          <p:nvPr/>
-        </p:nvSpPr>
-        <p:spPr>
-          <a:xfrm flipH="1">
-            <a:off x="2328529" y="243914"/>
-            <a:ext cx="4603897" cy="369332"/>
-          </a:xfrm>
-          <a:prstGeom prst="rect">
-            <a:avLst/>
-          </a:prstGeom>
-          <a:noFill/>
-          <a:ln w="22225">
-            <a:noFill/>
-          </a:ln>
-        </p:spPr>
-        <p:txBody>
-          <a:bodyPr wrap="square" rtlCol="0">
-            <a:spAutoFit/>
-          </a:bodyPr>
-          <a:lstStyle/>
-          <a:p>
-            <a:pPr algn="ctr"/>
-            <a:r>
-              <a:rPr lang="en-US" sz="1800">
-                <a:latin typeface="Arial" panose="020B0604020202020204" pitchFamily="34" charset="0"/>
-                <a:ea typeface="Braille Normal" charset="0"/>
-                <a:cs typeface="Arial" panose="020B0604020202020204" pitchFamily="34" charset="0"/>
-              </a:rPr>
-              <a:t>Vostok Ice Core</a:t>
-            </a:r>
-          </a:p>
-        </p:txBody>
-      </p:sp>
-      <p:sp>
-        <p:nvSpPr>
-          <p:cNvPr id="28" name="TextBox 27">
-            <a:extLst>
-              <a:ext uri="{FF2B5EF4-FFF2-40B4-BE49-F238E27FC236}">
-                <a16:creationId xmlns:a16="http://schemas.microsoft.com/office/drawing/2014/main" id="{53390C9B-0BFA-E541-8F6B-14639A647E05}"/>
-              </a:ext>
-            </a:extLst>
-          </p:cNvPr>
-          <p:cNvSpPr txBox="1"/>
-          <p:nvPr/>
-        </p:nvSpPr>
-        <p:spPr>
-          <a:xfrm>
-            <a:off x="987013" y="6028656"/>
-            <a:ext cx="8089074" cy="307777"/>
-          </a:xfrm>
-          <a:prstGeom prst="rect">
-            <a:avLst/>
-          </a:prstGeom>
-          <a:noFill/>
-        </p:spPr>
-        <p:txBody>
-          <a:bodyPr wrap="none" rtlCol="0">
-            <a:spAutoFit/>
-          </a:bodyPr>
-          <a:lstStyle/>
-          <a:p>
-            <a:r>
-              <a:rPr lang="en-US" sz="1400">
-                <a:latin typeface="Arial" panose="020B0604020202020204" pitchFamily="34" charset="0"/>
-                <a:cs typeface="Arial" panose="020B0604020202020204" pitchFamily="34" charset="0"/>
-              </a:rPr>
-              <a:t>400000		 300000		    200000	                        100000	                            0</a:t>
-            </a:r>
-          </a:p>
-        </p:txBody>
-      </p:sp>
-      <p:sp>
-        <p:nvSpPr>
-          <p:cNvPr id="29" name="TextBox 28">
-            <a:extLst>
-              <a:ext uri="{FF2B5EF4-FFF2-40B4-BE49-F238E27FC236}">
-                <a16:creationId xmlns:a16="http://schemas.microsoft.com/office/drawing/2014/main" id="{32FDBF16-02CC-4444-9386-FF556A933296}"/>
-              </a:ext>
-            </a:extLst>
-          </p:cNvPr>
-          <p:cNvSpPr txBox="1"/>
-          <p:nvPr/>
-        </p:nvSpPr>
-        <p:spPr>
-          <a:xfrm flipH="1">
-            <a:off x="418212" y="3649872"/>
-            <a:ext cx="4603897" cy="369332"/>
-          </a:xfrm>
-          <a:prstGeom prst="rect">
-            <a:avLst/>
-          </a:prstGeom>
-          <a:noFill/>
-          <a:ln w="22225">
-            <a:noFill/>
-          </a:ln>
-        </p:spPr>
-        <p:txBody>
-          <a:bodyPr wrap="square" rtlCol="0">
-            <a:spAutoFit/>
-          </a:bodyPr>
-          <a:lstStyle/>
-          <a:p>
-            <a:r>
-              <a:rPr lang="en-US" sz="1800">
-                <a:latin typeface="Arial" panose="020B0604020202020204" pitchFamily="34" charset="0"/>
-                <a:ea typeface="Braille Normal" charset="0"/>
-                <a:cs typeface="Arial" panose="020B0604020202020204" pitchFamily="34" charset="0"/>
-              </a:rPr>
-              <a:t>T change from present (present = 1950)</a:t>
-            </a:r>
-          </a:p>
-        </p:txBody>
-      </p:sp>
-      <p:sp>
-        <p:nvSpPr>
-          <p:cNvPr id="30" name="TextBox 29">
-            <a:extLst>
-              <a:ext uri="{FF2B5EF4-FFF2-40B4-BE49-F238E27FC236}">
-                <a16:creationId xmlns:a16="http://schemas.microsoft.com/office/drawing/2014/main" id="{FA49B266-CEDC-174D-B1B9-20630F604BFD}"/>
-              </a:ext>
-            </a:extLst>
-          </p:cNvPr>
-          <p:cNvSpPr txBox="1"/>
-          <p:nvPr/>
-        </p:nvSpPr>
-        <p:spPr>
-          <a:xfrm flipH="1">
-            <a:off x="379227" y="729465"/>
-            <a:ext cx="4603897" cy="369332"/>
-          </a:xfrm>
-          <a:prstGeom prst="rect">
-            <a:avLst/>
-          </a:prstGeom>
-          <a:noFill/>
-          <a:ln w="22225">
-            <a:noFill/>
-          </a:ln>
-        </p:spPr>
-        <p:txBody>
-          <a:bodyPr wrap="square" rtlCol="0">
-            <a:spAutoFit/>
-          </a:bodyPr>
-          <a:lstStyle/>
-          <a:p>
-            <a:r>
-              <a:rPr lang="en-US" sz="1800">
-                <a:latin typeface="Arial" panose="020B0604020202020204" pitchFamily="34" charset="0"/>
-                <a:ea typeface="Braille Normal" charset="0"/>
-                <a:cs typeface="Arial" panose="020B0604020202020204" pitchFamily="34" charset="0"/>
-              </a:rPr>
-              <a:t>CO2 concentration (ppm)</a:t>
-            </a:r>
-          </a:p>
-        </p:txBody>
-      </p:sp>
-      <p:sp>
-        <p:nvSpPr>
-          <p:cNvPr id="7" name="TextBox 6">
-            <a:extLst>
-              <a:ext uri="{FF2B5EF4-FFF2-40B4-BE49-F238E27FC236}">
-                <a16:creationId xmlns:a16="http://schemas.microsoft.com/office/drawing/2014/main" id="{E93AC351-2E3C-8044-9D67-BDF8DA71C680}"/>
-              </a:ext>
-            </a:extLst>
-          </p:cNvPr>
-          <p:cNvSpPr txBox="1"/>
-          <p:nvPr/>
-        </p:nvSpPr>
-        <p:spPr>
-          <a:xfrm>
-            <a:off x="627321" y="1063257"/>
-            <a:ext cx="482824" cy="2246769"/>
-          </a:xfrm>
-          <a:prstGeom prst="rect">
-            <a:avLst/>
-          </a:prstGeom>
-          <a:noFill/>
-        </p:spPr>
-        <p:txBody>
-          <a:bodyPr wrap="none" rtlCol="0">
-            <a:spAutoFit/>
-          </a:bodyPr>
-          <a:lstStyle/>
-          <a:p>
-            <a:r>
-              <a:rPr lang="en-US" sz="1400">
-                <a:latin typeface="Arial" panose="020B0604020202020204" pitchFamily="34" charset="0"/>
-                <a:cs typeface="Arial" panose="020B0604020202020204" pitchFamily="34" charset="0"/>
-              </a:rPr>
-              <a:t>300</a:t>
-            </a:r>
-          </a:p>
-          <a:p>
-            <a:endParaRPr lang="en-US" sz="1400">
-              <a:latin typeface="Arial" panose="020B0604020202020204" pitchFamily="34" charset="0"/>
-              <a:cs typeface="Arial" panose="020B0604020202020204" pitchFamily="34" charset="0"/>
-            </a:endParaRPr>
-          </a:p>
-          <a:p>
-            <a:endParaRPr lang="en-US" sz="1400">
-              <a:latin typeface="Arial" panose="020B0604020202020204" pitchFamily="34" charset="0"/>
-              <a:cs typeface="Arial" panose="020B0604020202020204" pitchFamily="34" charset="0"/>
-            </a:endParaRPr>
-          </a:p>
-          <a:p>
-            <a:endParaRPr lang="en-US" sz="1400">
-              <a:latin typeface="Arial" panose="020B0604020202020204" pitchFamily="34" charset="0"/>
-              <a:cs typeface="Arial" panose="020B0604020202020204" pitchFamily="34" charset="0"/>
-            </a:endParaRPr>
-          </a:p>
-          <a:p>
-            <a:endParaRPr lang="en-US" sz="1400">
-              <a:latin typeface="Arial" panose="020B0604020202020204" pitchFamily="34" charset="0"/>
-              <a:cs typeface="Arial" panose="020B0604020202020204" pitchFamily="34" charset="0"/>
-            </a:endParaRPr>
-          </a:p>
-          <a:p>
-            <a:endParaRPr lang="en-US" sz="1400">
-              <a:latin typeface="Arial" panose="020B0604020202020204" pitchFamily="34" charset="0"/>
-              <a:cs typeface="Arial" panose="020B0604020202020204" pitchFamily="34" charset="0"/>
-            </a:endParaRPr>
-          </a:p>
-          <a:p>
-            <a:endParaRPr lang="en-US" sz="1400">
-              <a:latin typeface="Arial" panose="020B0604020202020204" pitchFamily="34" charset="0"/>
-              <a:cs typeface="Arial" panose="020B0604020202020204" pitchFamily="34" charset="0"/>
-            </a:endParaRPr>
-          </a:p>
-          <a:p>
-            <a:endParaRPr lang="en-US" sz="1400">
-              <a:latin typeface="Arial" panose="020B0604020202020204" pitchFamily="34" charset="0"/>
-              <a:cs typeface="Arial" panose="020B0604020202020204" pitchFamily="34" charset="0"/>
-            </a:endParaRPr>
-          </a:p>
-          <a:p>
-            <a:endParaRPr lang="en-US" sz="1400">
-              <a:latin typeface="Arial" panose="020B0604020202020204" pitchFamily="34" charset="0"/>
-              <a:cs typeface="Arial" panose="020B0604020202020204" pitchFamily="34" charset="0"/>
-            </a:endParaRPr>
-          </a:p>
-          <a:p>
-            <a:r>
-              <a:rPr lang="en-US" sz="1400">
-                <a:latin typeface="Arial" panose="020B0604020202020204" pitchFamily="34" charset="0"/>
-                <a:cs typeface="Arial" panose="020B0604020202020204" pitchFamily="34" charset="0"/>
-              </a:rPr>
-              <a:t>160</a:t>
-            </a:r>
-          </a:p>
-        </p:txBody>
-      </p:sp>
-      <p:sp>
-        <p:nvSpPr>
-          <p:cNvPr id="31" name="TextBox 30">
-            <a:extLst>
-              <a:ext uri="{FF2B5EF4-FFF2-40B4-BE49-F238E27FC236}">
-                <a16:creationId xmlns:a16="http://schemas.microsoft.com/office/drawing/2014/main" id="{99141A20-F355-E446-AEE0-54466F844C57}"/>
-              </a:ext>
-            </a:extLst>
-          </p:cNvPr>
-          <p:cNvSpPr txBox="1"/>
-          <p:nvPr/>
-        </p:nvSpPr>
-        <p:spPr>
-          <a:xfrm>
-            <a:off x="663123" y="4033283"/>
-            <a:ext cx="442815" cy="2031325"/>
-          </a:xfrm>
-          <a:prstGeom prst="rect">
-            <a:avLst/>
-          </a:prstGeom>
-          <a:noFill/>
-        </p:spPr>
-        <p:txBody>
-          <a:bodyPr wrap="none" rtlCol="0">
-            <a:spAutoFit/>
-          </a:bodyPr>
-          <a:lstStyle/>
-          <a:p>
-            <a:pPr algn="r"/>
-            <a:endParaRPr lang="en-US" sz="1400">
-              <a:latin typeface="Arial" panose="020B0604020202020204" pitchFamily="34" charset="0"/>
-              <a:cs typeface="Arial" panose="020B0604020202020204" pitchFamily="34" charset="0"/>
-            </a:endParaRPr>
-          </a:p>
-          <a:p>
-            <a:pPr algn="r"/>
-            <a:endParaRPr lang="en-US" sz="1400">
-              <a:latin typeface="Arial" panose="020B0604020202020204" pitchFamily="34" charset="0"/>
-              <a:cs typeface="Arial" panose="020B0604020202020204" pitchFamily="34" charset="0"/>
-            </a:endParaRPr>
-          </a:p>
-          <a:p>
-            <a:pPr algn="r"/>
-            <a:r>
-              <a:rPr lang="en-US" sz="1400">
-                <a:latin typeface="Arial" panose="020B0604020202020204" pitchFamily="34" charset="0"/>
-                <a:cs typeface="Arial" panose="020B0604020202020204" pitchFamily="34" charset="0"/>
-              </a:rPr>
-              <a:t>0</a:t>
-            </a:r>
-          </a:p>
-          <a:p>
-            <a:pPr algn="r"/>
-            <a:endParaRPr lang="en-US" sz="1400">
-              <a:latin typeface="Arial" panose="020B0604020202020204" pitchFamily="34" charset="0"/>
-              <a:cs typeface="Arial" panose="020B0604020202020204" pitchFamily="34" charset="0"/>
-            </a:endParaRPr>
-          </a:p>
-          <a:p>
-            <a:pPr algn="r"/>
-            <a:endParaRPr lang="en-US" sz="1400">
-              <a:latin typeface="Arial" panose="020B0604020202020204" pitchFamily="34" charset="0"/>
-              <a:cs typeface="Arial" panose="020B0604020202020204" pitchFamily="34" charset="0"/>
-            </a:endParaRPr>
-          </a:p>
-          <a:p>
-            <a:pPr algn="r"/>
-            <a:endParaRPr lang="en-US" sz="1400">
-              <a:latin typeface="Arial" panose="020B0604020202020204" pitchFamily="34" charset="0"/>
-              <a:cs typeface="Arial" panose="020B0604020202020204" pitchFamily="34" charset="0"/>
-            </a:endParaRPr>
-          </a:p>
-          <a:p>
-            <a:pPr algn="r"/>
-            <a:endParaRPr lang="en-US" sz="1400">
-              <a:latin typeface="Arial" panose="020B0604020202020204" pitchFamily="34" charset="0"/>
-              <a:cs typeface="Arial" panose="020B0604020202020204" pitchFamily="34" charset="0"/>
-            </a:endParaRPr>
-          </a:p>
-          <a:p>
-            <a:pPr algn="r"/>
-            <a:endParaRPr lang="en-US" sz="1400">
-              <a:latin typeface="Arial" panose="020B0604020202020204" pitchFamily="34" charset="0"/>
-              <a:cs typeface="Arial" panose="020B0604020202020204" pitchFamily="34" charset="0"/>
-            </a:endParaRPr>
-          </a:p>
-          <a:p>
-            <a:pPr algn="r"/>
-            <a:r>
-              <a:rPr lang="en-US" sz="1400">
-                <a:latin typeface="Arial" panose="020B0604020202020204" pitchFamily="34" charset="0"/>
-                <a:cs typeface="Arial" panose="020B0604020202020204" pitchFamily="34" charset="0"/>
-              </a:rPr>
-              <a:t>-10</a:t>
-            </a:r>
-          </a:p>
-        </p:txBody>
-      </p:sp>
-      <p:sp>
-        <p:nvSpPr>
-          <p:cNvPr id="33" name="TextBox 32">
-            <a:extLst>
-              <a:ext uri="{FF2B5EF4-FFF2-40B4-BE49-F238E27FC236}">
-                <a16:creationId xmlns:a16="http://schemas.microsoft.com/office/drawing/2014/main" id="{091870A4-C481-CA43-9E2B-F5DE0A596E8F}"/>
-              </a:ext>
-            </a:extLst>
-          </p:cNvPr>
-          <p:cNvSpPr txBox="1"/>
-          <p:nvPr/>
-        </p:nvSpPr>
-        <p:spPr>
-          <a:xfrm>
-            <a:off x="699970" y="3994298"/>
-            <a:ext cx="388248" cy="307777"/>
-          </a:xfrm>
-          <a:prstGeom prst="rect">
-            <a:avLst/>
-          </a:prstGeom>
-          <a:noFill/>
-        </p:spPr>
-        <p:txBody>
-          <a:bodyPr wrap="none" rtlCol="0">
-            <a:spAutoFit/>
-          </a:bodyPr>
-          <a:lstStyle/>
-          <a:p>
-            <a:pPr algn="r"/>
-            <a:r>
-              <a:rPr lang="en-US" sz="1400">
-                <a:latin typeface="Arial" panose="020B0604020202020204" pitchFamily="34" charset="0"/>
-                <a:cs typeface="Arial" panose="020B0604020202020204" pitchFamily="34" charset="0"/>
-              </a:rPr>
-              <a:t>+4</a:t>
-            </a:r>
-          </a:p>
-        </p:txBody>
-      </p:sp>
-      <p:sp>
-        <p:nvSpPr>
-          <p:cNvPr id="34" name="TextBox 33">
-            <a:extLst>
-              <a:ext uri="{FF2B5EF4-FFF2-40B4-BE49-F238E27FC236}">
-                <a16:creationId xmlns:a16="http://schemas.microsoft.com/office/drawing/2014/main" id="{68040B08-8A57-ED41-B092-14F17A05EFEC}"/>
-              </a:ext>
-            </a:extLst>
-          </p:cNvPr>
-          <p:cNvSpPr txBox="1"/>
-          <p:nvPr/>
-        </p:nvSpPr>
-        <p:spPr>
-          <a:xfrm flipH="1">
-            <a:off x="2636873" y="6389531"/>
-            <a:ext cx="4603897" cy="369332"/>
-          </a:xfrm>
-          <a:prstGeom prst="rect">
-            <a:avLst/>
-          </a:prstGeom>
-          <a:noFill/>
-          <a:ln w="22225">
-            <a:noFill/>
-          </a:ln>
-        </p:spPr>
-        <p:txBody>
-          <a:bodyPr wrap="square" rtlCol="0">
-            <a:spAutoFit/>
-          </a:bodyPr>
-          <a:lstStyle/>
-          <a:p>
-            <a:r>
-              <a:rPr lang="en-US" sz="1800">
-                <a:latin typeface="Arial" panose="020B0604020202020204" pitchFamily="34" charset="0"/>
-                <a:ea typeface="Braille Normal" charset="0"/>
-                <a:cs typeface="Arial" panose="020B0604020202020204" pitchFamily="34" charset="0"/>
-              </a:rPr>
-              <a:t>Years before present (present = 1950)</a:t>
-            </a:r>
-          </a:p>
-        </p:txBody>
-      </p:sp>
-      <p:cxnSp>
-        <p:nvCxnSpPr>
-          <p:cNvPr id="35" name="Straight Connector 34">
-            <a:extLst>
-              <a:ext uri="{FF2B5EF4-FFF2-40B4-BE49-F238E27FC236}">
-                <a16:creationId xmlns:a16="http://schemas.microsoft.com/office/drawing/2014/main" id="{98A21600-4A74-6742-A13D-48987376F471}"/>
-              </a:ext>
-            </a:extLst>
-          </p:cNvPr>
-          <p:cNvCxnSpPr/>
+          <p:cNvCxnSpPr>
+            <a:cxnSpLocks/>
+          </p:cNvCxnSpPr>
           <p:nvPr/>
         </p:nvCxnSpPr>
         <p:spPr>
           <a:xfrm>
             <a:off x="1220780" y="1190692"/>
-            <a:ext cx="7664341" cy="0"/>
+            <a:ext cx="7310034" cy="0"/>
           </a:xfrm>
           <a:prstGeom prst="line">
             <a:avLst/>
@@ -3724,20 +3265,22 @@
       </p:cxnSp>
       <p:cxnSp>
         <p:nvCxnSpPr>
-          <p:cNvPr id="36" name="Straight Connector 35">
+          <p:cNvPr id="24" name="Straight Connector 23">
             <a:extLst>
               <a:ext uri="{FF2B5EF4-FFF2-40B4-BE49-F238E27FC236}">
-                <a16:creationId xmlns:a16="http://schemas.microsoft.com/office/drawing/2014/main" id="{6CDD62EA-9D85-3346-BD38-94B79BA901CC}"/>
+                <a16:creationId xmlns:a16="http://schemas.microsoft.com/office/drawing/2014/main" id="{450CAA07-22A8-5545-A0F9-CA1324566591}"/>
               </a:ext>
             </a:extLst>
           </p:cNvPr>
-          <p:cNvCxnSpPr/>
+          <p:cNvCxnSpPr>
+            <a:cxnSpLocks/>
+          </p:cNvCxnSpPr>
           <p:nvPr/>
         </p:nvCxnSpPr>
         <p:spPr>
           <a:xfrm>
-            <a:off x="1194306" y="4617920"/>
-            <a:ext cx="7664341" cy="0"/>
+            <a:off x="1161826" y="4338212"/>
+            <a:ext cx="7422776" cy="0"/>
           </a:xfrm>
           <a:prstGeom prst="line">
             <a:avLst/>
@@ -3769,7 +3312,7 @@
           <p:cNvPr id="37" name="Rectangle 36">
             <a:extLst>
               <a:ext uri="{FF2B5EF4-FFF2-40B4-BE49-F238E27FC236}">
-                <a16:creationId xmlns:a16="http://schemas.microsoft.com/office/drawing/2014/main" id="{E65932C0-BE3D-F742-84F1-8E77983B0D9C}"/>
+                <a16:creationId xmlns:a16="http://schemas.microsoft.com/office/drawing/2014/main" id="{81C7EA2D-02F1-0D40-B37B-D1FC78D1CA60}"/>
               </a:ext>
             </a:extLst>
           </p:cNvPr>
@@ -3778,7 +3321,7 @@
         </p:nvSpPr>
         <p:spPr>
           <a:xfrm>
-            <a:off x="2213570" y="3200245"/>
+            <a:off x="7882405" y="3200241"/>
             <a:ext cx="238270" cy="180754"/>
           </a:xfrm>
           <a:prstGeom prst="rect">
@@ -3812,1130 +3355,16 @@
           <a:lstStyle/>
           <a:p>
             <a:pPr algn="ctr"/>
-            <a:endParaRPr lang="en-US">
-              <a:latin typeface="Arial" panose="020B0604020202020204" pitchFamily="34" charset="0"/>
-              <a:cs typeface="Arial" panose="020B0604020202020204" pitchFamily="34" charset="0"/>
-            </a:endParaRPr>
-          </a:p>
-        </p:txBody>
-      </p:sp>
-      <p:sp>
-        <p:nvSpPr>
-          <p:cNvPr id="38" name="Rectangle 37">
+            <a:endParaRPr lang="en-US"/>
+          </a:p>
+        </p:txBody>
+      </p:sp>
+      <p:grpSp>
+        <p:nvGrpSpPr>
+          <p:cNvPr id="10" name="Group 9">
             <a:extLst>
               <a:ext uri="{FF2B5EF4-FFF2-40B4-BE49-F238E27FC236}">
-                <a16:creationId xmlns:a16="http://schemas.microsoft.com/office/drawing/2014/main" id="{4D63789E-BF3C-CA48-A3DE-449189C0C97A}"/>
-              </a:ext>
-            </a:extLst>
-          </p:cNvPr>
-          <p:cNvSpPr/>
-          <p:nvPr/>
-        </p:nvSpPr>
-        <p:spPr>
-          <a:xfrm>
-            <a:off x="4123036" y="3203787"/>
-            <a:ext cx="238270" cy="180754"/>
-          </a:xfrm>
-          <a:prstGeom prst="rect">
-            <a:avLst/>
-          </a:prstGeom>
-          <a:solidFill>
-            <a:schemeClr val="bg1"/>
-          </a:solidFill>
-          <a:ln>
-            <a:noFill/>
-          </a:ln>
-        </p:spPr>
-        <p:style>
-          <a:lnRef idx="2">
-            <a:schemeClr val="accent1">
-              <a:shade val="50000"/>
-            </a:schemeClr>
-          </a:lnRef>
-          <a:fillRef idx="1">
-            <a:schemeClr val="accent1"/>
-          </a:fillRef>
-          <a:effectRef idx="0">
-            <a:schemeClr val="accent1"/>
-          </a:effectRef>
-          <a:fontRef idx="minor">
-            <a:schemeClr val="lt1"/>
-          </a:fontRef>
-        </p:style>
-        <p:txBody>
-          <a:bodyPr rtlCol="0" anchor="ctr"/>
-          <a:lstStyle/>
-          <a:p>
-            <a:pPr algn="ctr"/>
-            <a:endParaRPr lang="en-US">
-              <a:latin typeface="Arial" panose="020B0604020202020204" pitchFamily="34" charset="0"/>
-              <a:cs typeface="Arial" panose="020B0604020202020204" pitchFamily="34" charset="0"/>
-            </a:endParaRPr>
-          </a:p>
-        </p:txBody>
-      </p:sp>
-      <p:sp>
-        <p:nvSpPr>
-          <p:cNvPr id="39" name="Rectangle 38">
-            <a:extLst>
-              <a:ext uri="{FF2B5EF4-FFF2-40B4-BE49-F238E27FC236}">
-                <a16:creationId xmlns:a16="http://schemas.microsoft.com/office/drawing/2014/main" id="{B4F259F0-54D6-2D43-A03A-F03AFF093C22}"/>
-              </a:ext>
-            </a:extLst>
-          </p:cNvPr>
-          <p:cNvSpPr/>
-          <p:nvPr/>
-        </p:nvSpPr>
-        <p:spPr>
-          <a:xfrm>
-            <a:off x="5992790" y="3196698"/>
-            <a:ext cx="238270" cy="180754"/>
-          </a:xfrm>
-          <a:prstGeom prst="rect">
-            <a:avLst/>
-          </a:prstGeom>
-          <a:solidFill>
-            <a:schemeClr val="bg1"/>
-          </a:solidFill>
-          <a:ln>
-            <a:noFill/>
-          </a:ln>
-        </p:spPr>
-        <p:style>
-          <a:lnRef idx="2">
-            <a:schemeClr val="accent1">
-              <a:shade val="50000"/>
-            </a:schemeClr>
-          </a:lnRef>
-          <a:fillRef idx="1">
-            <a:schemeClr val="accent1"/>
-          </a:fillRef>
-          <a:effectRef idx="0">
-            <a:schemeClr val="accent1"/>
-          </a:effectRef>
-          <a:fontRef idx="minor">
-            <a:schemeClr val="lt1"/>
-          </a:fontRef>
-        </p:style>
-        <p:txBody>
-          <a:bodyPr rtlCol="0" anchor="ctr"/>
-          <a:lstStyle/>
-          <a:p>
-            <a:pPr algn="ctr"/>
-            <a:endParaRPr lang="en-US">
-              <a:latin typeface="Arial" panose="020B0604020202020204" pitchFamily="34" charset="0"/>
-              <a:cs typeface="Arial" panose="020B0604020202020204" pitchFamily="34" charset="0"/>
-            </a:endParaRPr>
-          </a:p>
-        </p:txBody>
-      </p:sp>
-      <p:sp>
-        <p:nvSpPr>
-          <p:cNvPr id="40" name="Rectangle 39">
-            <a:extLst>
-              <a:ext uri="{FF2B5EF4-FFF2-40B4-BE49-F238E27FC236}">
-                <a16:creationId xmlns:a16="http://schemas.microsoft.com/office/drawing/2014/main" id="{B1A97D3F-3A63-4A47-86BB-4CCA0C6B0134}"/>
-              </a:ext>
-            </a:extLst>
-          </p:cNvPr>
-          <p:cNvSpPr/>
-          <p:nvPr/>
-        </p:nvSpPr>
-        <p:spPr>
-          <a:xfrm>
-            <a:off x="7882405" y="3200241"/>
-            <a:ext cx="238270" cy="180754"/>
-          </a:xfrm>
-          <a:prstGeom prst="rect">
-            <a:avLst/>
-          </a:prstGeom>
-          <a:solidFill>
-            <a:schemeClr val="bg1"/>
-          </a:solidFill>
-          <a:ln>
-            <a:noFill/>
-          </a:ln>
-        </p:spPr>
-        <p:style>
-          <a:lnRef idx="2">
-            <a:schemeClr val="accent1">
-              <a:shade val="50000"/>
-            </a:schemeClr>
-          </a:lnRef>
-          <a:fillRef idx="1">
-            <a:schemeClr val="accent1"/>
-          </a:fillRef>
-          <a:effectRef idx="0">
-            <a:schemeClr val="accent1"/>
-          </a:effectRef>
-          <a:fontRef idx="minor">
-            <a:schemeClr val="lt1"/>
-          </a:fontRef>
-        </p:style>
-        <p:txBody>
-          <a:bodyPr rtlCol="0" anchor="ctr"/>
-          <a:lstStyle/>
-          <a:p>
-            <a:pPr algn="ctr"/>
-            <a:endParaRPr lang="en-US">
-              <a:latin typeface="Arial" panose="020B0604020202020204" pitchFamily="34" charset="0"/>
-              <a:cs typeface="Arial" panose="020B0604020202020204" pitchFamily="34" charset="0"/>
-            </a:endParaRPr>
-          </a:p>
-        </p:txBody>
-      </p:sp>
-      <p:pic>
-        <p:nvPicPr>
-          <p:cNvPr id="46" name="Picture 45" descr="A close up of a logo&#10;&#10;Description automatically generated">
-            <a:extLst>
-              <a:ext uri="{FF2B5EF4-FFF2-40B4-BE49-F238E27FC236}">
-                <a16:creationId xmlns:a16="http://schemas.microsoft.com/office/drawing/2014/main" id="{815292E7-02F4-B54D-8289-45EE97A30517}"/>
-              </a:ext>
-            </a:extLst>
-          </p:cNvPr>
-          <p:cNvPicPr>
-            <a:picLocks noChangeAspect="1"/>
-          </p:cNvPicPr>
-          <p:nvPr/>
-        </p:nvPicPr>
-        <p:blipFill>
-          <a:blip r:embed="rId2"/>
-          <a:stretch>
-            <a:fillRect/>
-          </a:stretch>
-        </p:blipFill>
-        <p:spPr>
-          <a:xfrm>
-            <a:off x="605250" y="978408"/>
-            <a:ext cx="8538750" cy="5879592"/>
-          </a:xfrm>
-          <a:prstGeom prst="rect">
-            <a:avLst/>
-          </a:prstGeom>
-        </p:spPr>
-      </p:pic>
-      <p:cxnSp>
-        <p:nvCxnSpPr>
-          <p:cNvPr id="47" name="Straight Connector 46">
-            <a:extLst>
-              <a:ext uri="{FF2B5EF4-FFF2-40B4-BE49-F238E27FC236}">
-                <a16:creationId xmlns:a16="http://schemas.microsoft.com/office/drawing/2014/main" id="{760EDCBE-D254-DD47-8A5B-FCD40C7FE1DF}"/>
-              </a:ext>
-            </a:extLst>
-          </p:cNvPr>
-          <p:cNvCxnSpPr/>
-          <p:nvPr/>
-        </p:nvCxnSpPr>
-        <p:spPr>
-          <a:xfrm>
-            <a:off x="1220780" y="1190692"/>
-            <a:ext cx="7664341" cy="0"/>
-          </a:xfrm>
-          <a:prstGeom prst="line">
-            <a:avLst/>
-          </a:prstGeom>
-          <a:ln>
-            <a:solidFill>
-              <a:schemeClr val="tx1"/>
-            </a:solidFill>
-            <a:prstDash val="lgDash"/>
-          </a:ln>
-        </p:spPr>
-        <p:style>
-          <a:lnRef idx="1">
-            <a:schemeClr val="accent1"/>
-          </a:lnRef>
-          <a:fillRef idx="0">
-            <a:schemeClr val="accent1"/>
-          </a:fillRef>
-          <a:effectRef idx="0">
-            <a:schemeClr val="accent1"/>
-          </a:effectRef>
-          <a:fontRef idx="minor">
-            <a:schemeClr val="tx1"/>
-          </a:fontRef>
-        </p:style>
-      </p:cxnSp>
-      <p:cxnSp>
-        <p:nvCxnSpPr>
-          <p:cNvPr id="48" name="Straight Connector 47">
-            <a:extLst>
-              <a:ext uri="{FF2B5EF4-FFF2-40B4-BE49-F238E27FC236}">
-                <a16:creationId xmlns:a16="http://schemas.microsoft.com/office/drawing/2014/main" id="{12130B56-018B-4746-9E7B-555A9B845501}"/>
-              </a:ext>
-            </a:extLst>
-          </p:cNvPr>
-          <p:cNvCxnSpPr/>
-          <p:nvPr/>
-        </p:nvCxnSpPr>
-        <p:spPr>
-          <a:xfrm>
-            <a:off x="1194306" y="4617920"/>
-            <a:ext cx="7664341" cy="0"/>
-          </a:xfrm>
-          <a:prstGeom prst="line">
-            <a:avLst/>
-          </a:prstGeom>
-          <a:ln>
-            <a:solidFill>
-              <a:schemeClr val="tx1"/>
-            </a:solidFill>
-            <a:prstDash val="lgDash"/>
-          </a:ln>
-        </p:spPr>
-        <p:style>
-          <a:lnRef idx="1">
-            <a:schemeClr val="accent1"/>
-          </a:lnRef>
-          <a:fillRef idx="0">
-            <a:schemeClr val="accent1"/>
-          </a:fillRef>
-          <a:effectRef idx="0">
-            <a:schemeClr val="accent1"/>
-          </a:effectRef>
-          <a:fontRef idx="minor">
-            <a:schemeClr val="tx1"/>
-          </a:fontRef>
-        </p:style>
-      </p:cxnSp>
-      <p:sp>
-        <p:nvSpPr>
-          <p:cNvPr id="49" name="Rectangle 48">
-            <a:extLst>
-              <a:ext uri="{FF2B5EF4-FFF2-40B4-BE49-F238E27FC236}">
-                <a16:creationId xmlns:a16="http://schemas.microsoft.com/office/drawing/2014/main" id="{E96D0F81-6D8A-E44A-971C-00C6389AD958}"/>
-              </a:ext>
-            </a:extLst>
-          </p:cNvPr>
-          <p:cNvSpPr/>
-          <p:nvPr/>
-        </p:nvSpPr>
-        <p:spPr>
-          <a:xfrm>
-            <a:off x="2213570" y="3200245"/>
-            <a:ext cx="238270" cy="180754"/>
-          </a:xfrm>
-          <a:prstGeom prst="rect">
-            <a:avLst/>
-          </a:prstGeom>
-          <a:solidFill>
-            <a:schemeClr val="bg1"/>
-          </a:solidFill>
-          <a:ln>
-            <a:noFill/>
-          </a:ln>
-        </p:spPr>
-        <p:style>
-          <a:lnRef idx="2">
-            <a:schemeClr val="accent1">
-              <a:shade val="50000"/>
-            </a:schemeClr>
-          </a:lnRef>
-          <a:fillRef idx="1">
-            <a:schemeClr val="accent1"/>
-          </a:fillRef>
-          <a:effectRef idx="0">
-            <a:schemeClr val="accent1"/>
-          </a:effectRef>
-          <a:fontRef idx="minor">
-            <a:schemeClr val="lt1"/>
-          </a:fontRef>
-        </p:style>
-        <p:txBody>
-          <a:bodyPr rtlCol="0" anchor="ctr"/>
-          <a:lstStyle/>
-          <a:p>
-            <a:pPr algn="ctr"/>
-            <a:endParaRPr lang="en-US">
-              <a:latin typeface="Arial" panose="020B0604020202020204" pitchFamily="34" charset="0"/>
-              <a:cs typeface="Arial" panose="020B0604020202020204" pitchFamily="34" charset="0"/>
-            </a:endParaRPr>
-          </a:p>
-        </p:txBody>
-      </p:sp>
-      <p:sp>
-        <p:nvSpPr>
-          <p:cNvPr id="50" name="Rectangle 49">
-            <a:extLst>
-              <a:ext uri="{FF2B5EF4-FFF2-40B4-BE49-F238E27FC236}">
-                <a16:creationId xmlns:a16="http://schemas.microsoft.com/office/drawing/2014/main" id="{605D85A2-E3BF-4A46-BE5B-A6B72CA630D8}"/>
-              </a:ext>
-            </a:extLst>
-          </p:cNvPr>
-          <p:cNvSpPr/>
-          <p:nvPr/>
-        </p:nvSpPr>
-        <p:spPr>
-          <a:xfrm>
-            <a:off x="4123036" y="3203787"/>
-            <a:ext cx="238270" cy="180754"/>
-          </a:xfrm>
-          <a:prstGeom prst="rect">
-            <a:avLst/>
-          </a:prstGeom>
-          <a:solidFill>
-            <a:schemeClr val="bg1"/>
-          </a:solidFill>
-          <a:ln>
-            <a:noFill/>
-          </a:ln>
-        </p:spPr>
-        <p:style>
-          <a:lnRef idx="2">
-            <a:schemeClr val="accent1">
-              <a:shade val="50000"/>
-            </a:schemeClr>
-          </a:lnRef>
-          <a:fillRef idx="1">
-            <a:schemeClr val="accent1"/>
-          </a:fillRef>
-          <a:effectRef idx="0">
-            <a:schemeClr val="accent1"/>
-          </a:effectRef>
-          <a:fontRef idx="minor">
-            <a:schemeClr val="lt1"/>
-          </a:fontRef>
-        </p:style>
-        <p:txBody>
-          <a:bodyPr rtlCol="0" anchor="ctr"/>
-          <a:lstStyle/>
-          <a:p>
-            <a:pPr algn="ctr"/>
-            <a:endParaRPr lang="en-US">
-              <a:latin typeface="Arial" panose="020B0604020202020204" pitchFamily="34" charset="0"/>
-              <a:cs typeface="Arial" panose="020B0604020202020204" pitchFamily="34" charset="0"/>
-            </a:endParaRPr>
-          </a:p>
-        </p:txBody>
-      </p:sp>
-      <p:sp>
-        <p:nvSpPr>
-          <p:cNvPr id="51" name="Rectangle 50">
-            <a:extLst>
-              <a:ext uri="{FF2B5EF4-FFF2-40B4-BE49-F238E27FC236}">
-                <a16:creationId xmlns:a16="http://schemas.microsoft.com/office/drawing/2014/main" id="{DE61A834-E270-1348-81D3-6A1536D13D68}"/>
-              </a:ext>
-            </a:extLst>
-          </p:cNvPr>
-          <p:cNvSpPr/>
-          <p:nvPr/>
-        </p:nvSpPr>
-        <p:spPr>
-          <a:xfrm>
-            <a:off x="5992790" y="3196698"/>
-            <a:ext cx="238270" cy="180754"/>
-          </a:xfrm>
-          <a:prstGeom prst="rect">
-            <a:avLst/>
-          </a:prstGeom>
-          <a:solidFill>
-            <a:schemeClr val="bg1"/>
-          </a:solidFill>
-          <a:ln>
-            <a:noFill/>
-          </a:ln>
-        </p:spPr>
-        <p:style>
-          <a:lnRef idx="2">
-            <a:schemeClr val="accent1">
-              <a:shade val="50000"/>
-            </a:schemeClr>
-          </a:lnRef>
-          <a:fillRef idx="1">
-            <a:schemeClr val="accent1"/>
-          </a:fillRef>
-          <a:effectRef idx="0">
-            <a:schemeClr val="accent1"/>
-          </a:effectRef>
-          <a:fontRef idx="minor">
-            <a:schemeClr val="lt1"/>
-          </a:fontRef>
-        </p:style>
-        <p:txBody>
-          <a:bodyPr rtlCol="0" anchor="ctr"/>
-          <a:lstStyle/>
-          <a:p>
-            <a:pPr algn="ctr"/>
-            <a:endParaRPr lang="en-US">
-              <a:latin typeface="Arial" panose="020B0604020202020204" pitchFamily="34" charset="0"/>
-              <a:cs typeface="Arial" panose="020B0604020202020204" pitchFamily="34" charset="0"/>
-            </a:endParaRPr>
-          </a:p>
-        </p:txBody>
-      </p:sp>
-      <p:sp>
-        <p:nvSpPr>
-          <p:cNvPr id="52" name="Rectangle 51">
-            <a:extLst>
-              <a:ext uri="{FF2B5EF4-FFF2-40B4-BE49-F238E27FC236}">
-                <a16:creationId xmlns:a16="http://schemas.microsoft.com/office/drawing/2014/main" id="{29F71D21-5E0E-424D-A5A8-517E091695BD}"/>
-              </a:ext>
-            </a:extLst>
-          </p:cNvPr>
-          <p:cNvSpPr/>
-          <p:nvPr/>
-        </p:nvSpPr>
-        <p:spPr>
-          <a:xfrm>
-            <a:off x="7882405" y="3200241"/>
-            <a:ext cx="238270" cy="180754"/>
-          </a:xfrm>
-          <a:prstGeom prst="rect">
-            <a:avLst/>
-          </a:prstGeom>
-          <a:solidFill>
-            <a:schemeClr val="bg1"/>
-          </a:solidFill>
-          <a:ln>
-            <a:noFill/>
-          </a:ln>
-        </p:spPr>
-        <p:style>
-          <a:lnRef idx="2">
-            <a:schemeClr val="accent1">
-              <a:shade val="50000"/>
-            </a:schemeClr>
-          </a:lnRef>
-          <a:fillRef idx="1">
-            <a:schemeClr val="accent1"/>
-          </a:fillRef>
-          <a:effectRef idx="0">
-            <a:schemeClr val="accent1"/>
-          </a:effectRef>
-          <a:fontRef idx="minor">
-            <a:schemeClr val="lt1"/>
-          </a:fontRef>
-        </p:style>
-        <p:txBody>
-          <a:bodyPr rtlCol="0" anchor="ctr"/>
-          <a:lstStyle/>
-          <a:p>
-            <a:pPr algn="ctr"/>
-            <a:endParaRPr lang="en-US">
-              <a:latin typeface="Arial" panose="020B0604020202020204" pitchFamily="34" charset="0"/>
-              <a:cs typeface="Arial" panose="020B0604020202020204" pitchFamily="34" charset="0"/>
-            </a:endParaRPr>
-          </a:p>
-        </p:txBody>
-      </p:sp>
-      <p:sp>
-        <p:nvSpPr>
-          <p:cNvPr id="53" name="Rectangle 52">
-            <a:extLst>
-              <a:ext uri="{FF2B5EF4-FFF2-40B4-BE49-F238E27FC236}">
-                <a16:creationId xmlns:a16="http://schemas.microsoft.com/office/drawing/2014/main" id="{C682A525-D383-4A4F-8AD6-191F24EEA01F}"/>
-              </a:ext>
-            </a:extLst>
-          </p:cNvPr>
-          <p:cNvSpPr/>
-          <p:nvPr/>
-        </p:nvSpPr>
-        <p:spPr>
-          <a:xfrm>
-            <a:off x="2166169" y="5920126"/>
-            <a:ext cx="238270" cy="180754"/>
-          </a:xfrm>
-          <a:prstGeom prst="rect">
-            <a:avLst/>
-          </a:prstGeom>
-          <a:solidFill>
-            <a:schemeClr val="bg1"/>
-          </a:solidFill>
-          <a:ln>
-            <a:noFill/>
-          </a:ln>
-        </p:spPr>
-        <p:style>
-          <a:lnRef idx="2">
-            <a:schemeClr val="accent1">
-              <a:shade val="50000"/>
-            </a:schemeClr>
-          </a:lnRef>
-          <a:fillRef idx="1">
-            <a:schemeClr val="accent1"/>
-          </a:fillRef>
-          <a:effectRef idx="0">
-            <a:schemeClr val="accent1"/>
-          </a:effectRef>
-          <a:fontRef idx="minor">
-            <a:schemeClr val="lt1"/>
-          </a:fontRef>
-        </p:style>
-        <p:txBody>
-          <a:bodyPr rtlCol="0" anchor="ctr"/>
-          <a:lstStyle/>
-          <a:p>
-            <a:pPr algn="ctr"/>
-            <a:endParaRPr lang="en-US">
-              <a:latin typeface="Arial" panose="020B0604020202020204" pitchFamily="34" charset="0"/>
-              <a:cs typeface="Arial" panose="020B0604020202020204" pitchFamily="34" charset="0"/>
-            </a:endParaRPr>
-          </a:p>
-        </p:txBody>
-      </p:sp>
-      <p:sp>
-        <p:nvSpPr>
-          <p:cNvPr id="54" name="Rectangle 53">
-            <a:extLst>
-              <a:ext uri="{FF2B5EF4-FFF2-40B4-BE49-F238E27FC236}">
-                <a16:creationId xmlns:a16="http://schemas.microsoft.com/office/drawing/2014/main" id="{C944392D-D536-C148-BA26-FC396345B83C}"/>
-              </a:ext>
-            </a:extLst>
-          </p:cNvPr>
-          <p:cNvSpPr/>
-          <p:nvPr/>
-        </p:nvSpPr>
-        <p:spPr>
-          <a:xfrm>
-            <a:off x="4075634" y="5934301"/>
-            <a:ext cx="238270" cy="180754"/>
-          </a:xfrm>
-          <a:prstGeom prst="rect">
-            <a:avLst/>
-          </a:prstGeom>
-          <a:solidFill>
-            <a:schemeClr val="bg1"/>
-          </a:solidFill>
-          <a:ln>
-            <a:noFill/>
-          </a:ln>
-        </p:spPr>
-        <p:style>
-          <a:lnRef idx="2">
-            <a:schemeClr val="accent1">
-              <a:shade val="50000"/>
-            </a:schemeClr>
-          </a:lnRef>
-          <a:fillRef idx="1">
-            <a:schemeClr val="accent1"/>
-          </a:fillRef>
-          <a:effectRef idx="0">
-            <a:schemeClr val="accent1"/>
-          </a:effectRef>
-          <a:fontRef idx="minor">
-            <a:schemeClr val="lt1"/>
-          </a:fontRef>
-        </p:style>
-        <p:txBody>
-          <a:bodyPr rtlCol="0" anchor="ctr"/>
-          <a:lstStyle/>
-          <a:p>
-            <a:pPr algn="ctr"/>
-            <a:endParaRPr lang="en-US">
-              <a:latin typeface="Arial" panose="020B0604020202020204" pitchFamily="34" charset="0"/>
-              <a:cs typeface="Arial" panose="020B0604020202020204" pitchFamily="34" charset="0"/>
-            </a:endParaRPr>
-          </a:p>
-        </p:txBody>
-      </p:sp>
-      <p:sp>
-        <p:nvSpPr>
-          <p:cNvPr id="55" name="Rectangle 54">
-            <a:extLst>
-              <a:ext uri="{FF2B5EF4-FFF2-40B4-BE49-F238E27FC236}">
-                <a16:creationId xmlns:a16="http://schemas.microsoft.com/office/drawing/2014/main" id="{DCAC65A3-5F20-C245-A039-A1D63E639B7A}"/>
-              </a:ext>
-            </a:extLst>
-          </p:cNvPr>
-          <p:cNvSpPr/>
-          <p:nvPr/>
-        </p:nvSpPr>
-        <p:spPr>
-          <a:xfrm>
-            <a:off x="5945388" y="5927212"/>
-            <a:ext cx="238270" cy="180754"/>
-          </a:xfrm>
-          <a:prstGeom prst="rect">
-            <a:avLst/>
-          </a:prstGeom>
-          <a:solidFill>
-            <a:schemeClr val="bg1"/>
-          </a:solidFill>
-          <a:ln>
-            <a:noFill/>
-          </a:ln>
-        </p:spPr>
-        <p:style>
-          <a:lnRef idx="2">
-            <a:schemeClr val="accent1">
-              <a:shade val="50000"/>
-            </a:schemeClr>
-          </a:lnRef>
-          <a:fillRef idx="1">
-            <a:schemeClr val="accent1"/>
-          </a:fillRef>
-          <a:effectRef idx="0">
-            <a:schemeClr val="accent1"/>
-          </a:effectRef>
-          <a:fontRef idx="minor">
-            <a:schemeClr val="lt1"/>
-          </a:fontRef>
-        </p:style>
-        <p:txBody>
-          <a:bodyPr rtlCol="0" anchor="ctr"/>
-          <a:lstStyle/>
-          <a:p>
-            <a:pPr algn="ctr"/>
-            <a:endParaRPr lang="en-US">
-              <a:latin typeface="Arial" panose="020B0604020202020204" pitchFamily="34" charset="0"/>
-              <a:cs typeface="Arial" panose="020B0604020202020204" pitchFamily="34" charset="0"/>
-            </a:endParaRPr>
-          </a:p>
-        </p:txBody>
-      </p:sp>
-      <p:sp>
-        <p:nvSpPr>
-          <p:cNvPr id="56" name="Rectangle 55">
-            <a:extLst>
-              <a:ext uri="{FF2B5EF4-FFF2-40B4-BE49-F238E27FC236}">
-                <a16:creationId xmlns:a16="http://schemas.microsoft.com/office/drawing/2014/main" id="{F73A8681-8853-BF41-BD05-CAB001487C88}"/>
-              </a:ext>
-            </a:extLst>
-          </p:cNvPr>
-          <p:cNvSpPr/>
-          <p:nvPr/>
-        </p:nvSpPr>
-        <p:spPr>
-          <a:xfrm>
-            <a:off x="7835004" y="5920122"/>
-            <a:ext cx="238270" cy="180754"/>
-          </a:xfrm>
-          <a:prstGeom prst="rect">
-            <a:avLst/>
-          </a:prstGeom>
-          <a:solidFill>
-            <a:schemeClr val="bg1"/>
-          </a:solidFill>
-          <a:ln>
-            <a:noFill/>
-          </a:ln>
-        </p:spPr>
-        <p:style>
-          <a:lnRef idx="2">
-            <a:schemeClr val="accent1">
-              <a:shade val="50000"/>
-            </a:schemeClr>
-          </a:lnRef>
-          <a:fillRef idx="1">
-            <a:schemeClr val="accent1"/>
-          </a:fillRef>
-          <a:effectRef idx="0">
-            <a:schemeClr val="accent1"/>
-          </a:effectRef>
-          <a:fontRef idx="minor">
-            <a:schemeClr val="lt1"/>
-          </a:fontRef>
-        </p:style>
-        <p:txBody>
-          <a:bodyPr rtlCol="0" anchor="ctr"/>
-          <a:lstStyle/>
-          <a:p>
-            <a:pPr algn="ctr"/>
-            <a:endParaRPr lang="en-US">
-              <a:latin typeface="Arial" panose="020B0604020202020204" pitchFamily="34" charset="0"/>
-              <a:cs typeface="Arial" panose="020B0604020202020204" pitchFamily="34" charset="0"/>
-            </a:endParaRPr>
-          </a:p>
-        </p:txBody>
-      </p:sp>
-      <p:sp>
-        <p:nvSpPr>
-          <p:cNvPr id="57" name="Rectangle 56">
-            <a:extLst>
-              <a:ext uri="{FF2B5EF4-FFF2-40B4-BE49-F238E27FC236}">
-                <a16:creationId xmlns:a16="http://schemas.microsoft.com/office/drawing/2014/main" id="{301FB7BC-3B9A-8F4B-9830-3B9A14E4E40C}"/>
-              </a:ext>
-            </a:extLst>
-          </p:cNvPr>
-          <p:cNvSpPr/>
-          <p:nvPr/>
-        </p:nvSpPr>
-        <p:spPr>
-          <a:xfrm>
-            <a:off x="5906949" y="666561"/>
-            <a:ext cx="3130725" cy="246221"/>
-          </a:xfrm>
-          <a:prstGeom prst="rect">
-            <a:avLst/>
-          </a:prstGeom>
-        </p:spPr>
-        <p:txBody>
-          <a:bodyPr wrap="square">
-            <a:spAutoFit/>
-          </a:bodyPr>
-          <a:lstStyle/>
-          <a:p>
-            <a:r>
-              <a:rPr lang="en-US" sz="1000">
-                <a:latin typeface="Arial" panose="020B0604020202020204" pitchFamily="34" charset="0"/>
-                <a:cs typeface="Arial" panose="020B0604020202020204" pitchFamily="34" charset="0"/>
-              </a:rPr>
-              <a:t>modified from </a:t>
-            </a:r>
-            <a:r>
-              <a:rPr lang="en-US" sz="1000">
-                <a:latin typeface="Arial" panose="020B0604020202020204" pitchFamily="34" charset="0"/>
-                <a:cs typeface="Arial" panose="020B0604020202020204" pitchFamily="34" charset="0"/>
-                <a:hlinkClick r:id="rId3"/>
-              </a:rPr>
-              <a:t>https://www.grida.no/resources/6443</a:t>
-            </a:r>
-            <a:endParaRPr lang="en-US" sz="1000">
-              <a:latin typeface="Arial" panose="020B0604020202020204" pitchFamily="34" charset="0"/>
-              <a:cs typeface="Arial" panose="020B0604020202020204" pitchFamily="34" charset="0"/>
-            </a:endParaRPr>
-          </a:p>
-        </p:txBody>
-      </p:sp>
-    </p:spTree>
-    <p:extLst>
-      <p:ext uri="{BB962C8B-B14F-4D97-AF65-F5344CB8AC3E}">
-        <p14:creationId xmlns:p14="http://schemas.microsoft.com/office/powerpoint/2010/main" val="1532025937"/>
-      </p:ext>
-    </p:extLst>
-  </p:cSld>
-  <p:clrMapOvr>
-    <a:masterClrMapping/>
-  </p:clrMapOvr>
-</p:sld>
-</file>
-
-<file path=ppt/slides/slide2.xml><?xml version="1.0" encoding="utf-8"?>
-<p:sld xmlns:a="http://schemas.openxmlformats.org/drawingml/2006/main" xmlns:r="http://schemas.openxmlformats.org/officeDocument/2006/relationships" xmlns:p="http://schemas.openxmlformats.org/presentationml/2006/main">
-  <p:cSld>
-    <p:spTree>
-      <p:nvGrpSpPr>
-        <p:cNvPr id="1" name=""/>
-        <p:cNvGrpSpPr/>
-        <p:nvPr/>
-      </p:nvGrpSpPr>
-      <p:grpSpPr>
-        <a:xfrm>
-          <a:off x="0" y="0"/>
-          <a:ext cx="0" cy="0"/>
-          <a:chOff x="0" y="0"/>
-          <a:chExt cx="0" cy="0"/>
-        </a:xfrm>
-      </p:grpSpPr>
-      <p:sp>
-        <p:nvSpPr>
-          <p:cNvPr id="18" name="TextBox 17">
-            <a:extLst>
-              <a:ext uri="{FF2B5EF4-FFF2-40B4-BE49-F238E27FC236}">
-                <a16:creationId xmlns:a16="http://schemas.microsoft.com/office/drawing/2014/main" id="{3689F11F-0DB9-EE40-BD93-92720467DD5C}"/>
-              </a:ext>
-            </a:extLst>
-          </p:cNvPr>
-          <p:cNvSpPr txBox="1"/>
-          <p:nvPr/>
-        </p:nvSpPr>
-        <p:spPr>
-          <a:xfrm>
-            <a:off x="418216" y="6096006"/>
-            <a:ext cx="1793361" cy="892552"/>
-          </a:xfrm>
-          <a:prstGeom prst="rect">
-            <a:avLst/>
-          </a:prstGeom>
-          <a:noFill/>
-        </p:spPr>
-        <p:txBody>
-          <a:bodyPr wrap="square" rtlCol="0">
-            <a:spAutoFit/>
-          </a:bodyPr>
-          <a:lstStyle/>
-          <a:p>
-            <a:r>
-              <a:rPr lang="en-US" sz="2400">
-                <a:latin typeface="Swell Braille" pitchFamily="49"/>
-              </a:rPr>
-              <a:t>⠼⠙⠚⠚⠚⠚⠚</a:t>
-            </a:r>
-            <a:r>
-              <a:rPr lang="en-US" sz="1400"/>
-              <a:t>		</a:t>
-            </a:r>
-          </a:p>
-        </p:txBody>
-      </p:sp>
-      <p:sp>
-        <p:nvSpPr>
-          <p:cNvPr id="19" name="TextBox 18">
-            <a:extLst>
-              <a:ext uri="{FF2B5EF4-FFF2-40B4-BE49-F238E27FC236}">
-                <a16:creationId xmlns:a16="http://schemas.microsoft.com/office/drawing/2014/main" id="{3B2B52EE-A302-AB4C-A52F-58C30167D08E}"/>
-              </a:ext>
-            </a:extLst>
-          </p:cNvPr>
-          <p:cNvSpPr txBox="1"/>
-          <p:nvPr/>
-        </p:nvSpPr>
-        <p:spPr>
-          <a:xfrm flipH="1">
-            <a:off x="482002" y="3490384"/>
-            <a:ext cx="8800217" cy="461665"/>
-          </a:xfrm>
-          <a:prstGeom prst="rect">
-            <a:avLst/>
-          </a:prstGeom>
-          <a:noFill/>
-          <a:ln w="22225">
-            <a:noFill/>
-          </a:ln>
-        </p:spPr>
-        <p:txBody>
-          <a:bodyPr wrap="square" rtlCol="0">
-            <a:spAutoFit/>
-          </a:bodyPr>
-          <a:lstStyle/>
-          <a:p>
-            <a:r>
-              <a:rPr lang="en-US" sz="2400">
-                <a:latin typeface="Swell Braille" pitchFamily="49"/>
-                <a:ea typeface="Braille Normal" charset="0"/>
-                <a:cs typeface="Braille Normal" charset="0"/>
-              </a:rPr>
-              <a:t>⠠⠞⠀⠡⠁⠝⠛⠑⠀⠋⠀⠏⠗⠑⠎⠢⠞⠀⠐⠣⠏⠗⠑⠎⠑⠝⠞⠀⠐⠶⠀⠼⠁⠊⠑⠚⠐⠜</a:t>
-            </a:r>
-          </a:p>
-        </p:txBody>
-      </p:sp>
-      <p:sp>
-        <p:nvSpPr>
-          <p:cNvPr id="20" name="TextBox 19">
-            <a:extLst>
-              <a:ext uri="{FF2B5EF4-FFF2-40B4-BE49-F238E27FC236}">
-                <a16:creationId xmlns:a16="http://schemas.microsoft.com/office/drawing/2014/main" id="{B77447EE-8177-7149-B8DA-A096F3020D1B}"/>
-              </a:ext>
-            </a:extLst>
-          </p:cNvPr>
-          <p:cNvSpPr txBox="1"/>
-          <p:nvPr/>
-        </p:nvSpPr>
-        <p:spPr>
-          <a:xfrm flipH="1">
-            <a:off x="1197933" y="708199"/>
-            <a:ext cx="5925880" cy="461665"/>
-          </a:xfrm>
-          <a:prstGeom prst="rect">
-            <a:avLst/>
-          </a:prstGeom>
-          <a:noFill/>
-          <a:ln w="22225">
-            <a:noFill/>
-          </a:ln>
-        </p:spPr>
-        <p:txBody>
-          <a:bodyPr wrap="square" rtlCol="0">
-            <a:spAutoFit/>
-          </a:bodyPr>
-          <a:lstStyle/>
-          <a:p>
-            <a:r>
-              <a:rPr lang="en-US" sz="2400">
-                <a:latin typeface="Swell Braille" pitchFamily="49"/>
-                <a:ea typeface="Braille Normal" charset="0"/>
-                <a:cs typeface="Braille Normal" charset="0"/>
-              </a:rPr>
-              <a:t>⠠⠠⠉⠕⠼⠃⠀⠉⠕⠝⠉⠢⠞⠗⠁⠰⠝⠀⠐⠣⠏⠏⠍⠐⠜</a:t>
-            </a:r>
-          </a:p>
-        </p:txBody>
-      </p:sp>
-      <p:sp>
-        <p:nvSpPr>
-          <p:cNvPr id="21" name="TextBox 20">
-            <a:extLst>
-              <a:ext uri="{FF2B5EF4-FFF2-40B4-BE49-F238E27FC236}">
-                <a16:creationId xmlns:a16="http://schemas.microsoft.com/office/drawing/2014/main" id="{1A42C52E-3335-FD49-8F8A-7D1E2B33FC16}"/>
-              </a:ext>
-            </a:extLst>
-          </p:cNvPr>
-          <p:cNvSpPr txBox="1"/>
-          <p:nvPr/>
-        </p:nvSpPr>
-        <p:spPr>
-          <a:xfrm>
-            <a:off x="85058" y="1031358"/>
-            <a:ext cx="1075936" cy="461665"/>
-          </a:xfrm>
-          <a:prstGeom prst="rect">
-            <a:avLst/>
-          </a:prstGeom>
-          <a:noFill/>
-        </p:spPr>
-        <p:txBody>
-          <a:bodyPr wrap="none" rtlCol="0">
-            <a:spAutoFit/>
-          </a:bodyPr>
-          <a:lstStyle/>
-          <a:p>
-            <a:r>
-              <a:rPr lang="en-US" sz="2400">
-                <a:latin typeface="Swell Braille" pitchFamily="49"/>
-              </a:rPr>
-              <a:t>⠼⠉⠚⠚</a:t>
-            </a:r>
-          </a:p>
-        </p:txBody>
-      </p:sp>
-      <p:sp>
-        <p:nvSpPr>
-          <p:cNvPr id="26" name="TextBox 25">
-            <a:extLst>
-              <a:ext uri="{FF2B5EF4-FFF2-40B4-BE49-F238E27FC236}">
-                <a16:creationId xmlns:a16="http://schemas.microsoft.com/office/drawing/2014/main" id="{3C5A1918-BFD8-6E49-A786-E5B1ABC353EB}"/>
-              </a:ext>
-            </a:extLst>
-          </p:cNvPr>
-          <p:cNvSpPr txBox="1"/>
-          <p:nvPr/>
-        </p:nvSpPr>
-        <p:spPr>
-          <a:xfrm flipH="1">
-            <a:off x="2392324" y="169486"/>
-            <a:ext cx="4603897" cy="461665"/>
-          </a:xfrm>
-          <a:prstGeom prst="rect">
-            <a:avLst/>
-          </a:prstGeom>
-          <a:noFill/>
-          <a:ln w="22225">
-            <a:noFill/>
-          </a:ln>
-        </p:spPr>
-        <p:txBody>
-          <a:bodyPr wrap="square" rtlCol="0">
-            <a:spAutoFit/>
-          </a:bodyPr>
-          <a:lstStyle/>
-          <a:p>
-            <a:pPr algn="ctr"/>
-            <a:r>
-              <a:rPr lang="en-US" sz="2400">
-                <a:latin typeface="Swell Braille" pitchFamily="49"/>
-                <a:ea typeface="Braille Normal" charset="0"/>
-                <a:cs typeface="Braille Normal" charset="0"/>
-              </a:rPr>
-              <a:t>⠠⠧⠕⠌⠕⠅⠀⠠⠊⠉⠑⠀⠠⠉⠕⠗⠑</a:t>
-            </a:r>
-          </a:p>
-        </p:txBody>
-      </p:sp>
-      <p:sp>
-        <p:nvSpPr>
-          <p:cNvPr id="4" name="Rectangle 3">
-            <a:extLst>
-              <a:ext uri="{FF2B5EF4-FFF2-40B4-BE49-F238E27FC236}">
-                <a16:creationId xmlns:a16="http://schemas.microsoft.com/office/drawing/2014/main" id="{FAFC773C-C4EE-8241-B5CB-90138C739D5D}"/>
-              </a:ext>
-            </a:extLst>
-          </p:cNvPr>
-          <p:cNvSpPr/>
-          <p:nvPr/>
-        </p:nvSpPr>
-        <p:spPr>
-          <a:xfrm>
-            <a:off x="4128913" y="6083291"/>
-            <a:ext cx="1811714" cy="461665"/>
-          </a:xfrm>
-          <a:prstGeom prst="rect">
-            <a:avLst/>
-          </a:prstGeom>
-        </p:spPr>
-        <p:txBody>
-          <a:bodyPr wrap="none">
-            <a:spAutoFit/>
-          </a:bodyPr>
-          <a:lstStyle/>
-          <a:p>
-            <a:r>
-              <a:rPr lang="en-US" sz="2400">
-                <a:latin typeface="Swell Braille" pitchFamily="49"/>
-              </a:rPr>
-              <a:t>⠼⠃⠚⠚⠚⠚⠚</a:t>
-            </a:r>
-          </a:p>
-        </p:txBody>
-      </p:sp>
-      <p:sp>
-        <p:nvSpPr>
-          <p:cNvPr id="6" name="Rectangle 5">
-            <a:extLst>
-              <a:ext uri="{FF2B5EF4-FFF2-40B4-BE49-F238E27FC236}">
-                <a16:creationId xmlns:a16="http://schemas.microsoft.com/office/drawing/2014/main" id="{EA70293D-B4AE-194F-A944-41AB04B6470C}"/>
-              </a:ext>
-            </a:extLst>
-          </p:cNvPr>
-          <p:cNvSpPr/>
-          <p:nvPr/>
-        </p:nvSpPr>
-        <p:spPr>
-          <a:xfrm>
-            <a:off x="8494463" y="6040761"/>
-            <a:ext cx="649537" cy="461665"/>
-          </a:xfrm>
-          <a:prstGeom prst="rect">
-            <a:avLst/>
-          </a:prstGeom>
-        </p:spPr>
-        <p:txBody>
-          <a:bodyPr wrap="none">
-            <a:spAutoFit/>
-          </a:bodyPr>
-          <a:lstStyle/>
-          <a:p>
-            <a:r>
-              <a:rPr lang="en-US" sz="2400">
-                <a:latin typeface="Swell Braille" pitchFamily="49"/>
-              </a:rPr>
-              <a:t>⠼⠚</a:t>
-            </a:r>
-          </a:p>
-        </p:txBody>
-      </p:sp>
-      <p:sp>
-        <p:nvSpPr>
-          <p:cNvPr id="7" name="Rectangle 6">
-            <a:extLst>
-              <a:ext uri="{FF2B5EF4-FFF2-40B4-BE49-F238E27FC236}">
-                <a16:creationId xmlns:a16="http://schemas.microsoft.com/office/drawing/2014/main" id="{8BAC86E4-F1C7-1B42-B668-740F7541F575}"/>
-              </a:ext>
-            </a:extLst>
-          </p:cNvPr>
-          <p:cNvSpPr/>
-          <p:nvPr/>
-        </p:nvSpPr>
-        <p:spPr>
-          <a:xfrm>
-            <a:off x="2268218" y="6083291"/>
-            <a:ext cx="1811714" cy="461665"/>
-          </a:xfrm>
-          <a:prstGeom prst="rect">
-            <a:avLst/>
-          </a:prstGeom>
-        </p:spPr>
-        <p:txBody>
-          <a:bodyPr wrap="none">
-            <a:spAutoFit/>
-          </a:bodyPr>
-          <a:lstStyle/>
-          <a:p>
-            <a:r>
-              <a:rPr lang="en-US" sz="2400">
-                <a:latin typeface="Swell Braille" pitchFamily="49"/>
-              </a:rPr>
-              <a:t>⠼⠉⠚⠚⠚⠚⠚</a:t>
-            </a:r>
-          </a:p>
-        </p:txBody>
-      </p:sp>
-      <p:grpSp>
-        <p:nvGrpSpPr>
-          <p:cNvPr id="15" name="Group 14">
-            <a:extLst>
-              <a:ext uri="{FF2B5EF4-FFF2-40B4-BE49-F238E27FC236}">
-                <a16:creationId xmlns:a16="http://schemas.microsoft.com/office/drawing/2014/main" id="{685494CB-B303-6F4A-A9B0-B422AEEBEC98}"/>
+                <a16:creationId xmlns:a16="http://schemas.microsoft.com/office/drawing/2014/main" id="{A00449CD-DE58-9543-987A-4A5BA646F879}"/>
               </a:ext>
             </a:extLst>
           </p:cNvPr>
@@ -4944,334 +3373,12 @@
         </p:nvGrpSpPr>
         <p:grpSpPr>
           <a:xfrm>
-            <a:off x="605250" y="978408"/>
-            <a:ext cx="8538750" cy="5879592"/>
-            <a:chOff x="0" y="978563"/>
-            <a:chExt cx="9144806" cy="5879592"/>
+            <a:off x="2288863" y="5534904"/>
+            <a:ext cx="5639523" cy="188160"/>
+            <a:chOff x="2256591" y="6158853"/>
+            <a:chExt cx="5907105" cy="187843"/>
           </a:xfrm>
         </p:grpSpPr>
-        <p:pic>
-          <p:nvPicPr>
-            <p:cNvPr id="16" name="Picture 15" descr="A close up of a logo&#10;&#10;Description automatically generated">
-              <a:extLst>
-                <a:ext uri="{FF2B5EF4-FFF2-40B4-BE49-F238E27FC236}">
-                  <a16:creationId xmlns:a16="http://schemas.microsoft.com/office/drawing/2014/main" id="{F4849845-38F1-AA4A-AF31-AA36D6D5B5E2}"/>
-                </a:ext>
-              </a:extLst>
-            </p:cNvPr>
-            <p:cNvPicPr>
-              <a:picLocks noChangeAspect="1"/>
-            </p:cNvPicPr>
-            <p:nvPr/>
-          </p:nvPicPr>
-          <p:blipFill>
-            <a:blip r:embed="rId2"/>
-            <a:stretch>
-              <a:fillRect/>
-            </a:stretch>
-          </p:blipFill>
-          <p:spPr>
-            <a:xfrm>
-              <a:off x="0" y="978563"/>
-              <a:ext cx="9144806" cy="5879592"/>
-            </a:xfrm>
-            <a:prstGeom prst="rect">
-              <a:avLst/>
-            </a:prstGeom>
-          </p:spPr>
-        </p:pic>
-        <p:cxnSp>
-          <p:nvCxnSpPr>
-            <p:cNvPr id="23" name="Straight Connector 22">
-              <a:extLst>
-                <a:ext uri="{FF2B5EF4-FFF2-40B4-BE49-F238E27FC236}">
-                  <a16:creationId xmlns:a16="http://schemas.microsoft.com/office/drawing/2014/main" id="{345A1EA4-2326-D945-95B7-791CD401F195}"/>
-                </a:ext>
-              </a:extLst>
-            </p:cNvPr>
-            <p:cNvCxnSpPr/>
-            <p:nvPr/>
-          </p:nvCxnSpPr>
-          <p:spPr>
-            <a:xfrm>
-              <a:off x="659219" y="1190847"/>
-              <a:ext cx="8208334" cy="0"/>
-            </a:xfrm>
-            <a:prstGeom prst="line">
-              <a:avLst/>
-            </a:prstGeom>
-            <a:ln>
-              <a:solidFill>
-                <a:schemeClr val="tx1"/>
-              </a:solidFill>
-              <a:prstDash val="lgDash"/>
-            </a:ln>
-          </p:spPr>
-          <p:style>
-            <a:lnRef idx="1">
-              <a:schemeClr val="accent1"/>
-            </a:lnRef>
-            <a:fillRef idx="0">
-              <a:schemeClr val="accent1"/>
-            </a:fillRef>
-            <a:effectRef idx="0">
-              <a:schemeClr val="accent1"/>
-            </a:effectRef>
-            <a:fontRef idx="minor">
-              <a:schemeClr val="tx1"/>
-            </a:fontRef>
-          </p:style>
-        </p:cxnSp>
-        <p:cxnSp>
-          <p:nvCxnSpPr>
-            <p:cNvPr id="24" name="Straight Connector 23">
-              <a:extLst>
-                <a:ext uri="{FF2B5EF4-FFF2-40B4-BE49-F238E27FC236}">
-                  <a16:creationId xmlns:a16="http://schemas.microsoft.com/office/drawing/2014/main" id="{450CAA07-22A8-5545-A0F9-CA1324566591}"/>
-                </a:ext>
-              </a:extLst>
-            </p:cNvPr>
-            <p:cNvCxnSpPr/>
-            <p:nvPr/>
-          </p:nvCxnSpPr>
-          <p:spPr>
-            <a:xfrm>
-              <a:off x="630865" y="4618075"/>
-              <a:ext cx="8208334" cy="0"/>
-            </a:xfrm>
-            <a:prstGeom prst="line">
-              <a:avLst/>
-            </a:prstGeom>
-            <a:ln>
-              <a:solidFill>
-                <a:schemeClr val="tx1"/>
-              </a:solidFill>
-              <a:prstDash val="lgDash"/>
-            </a:ln>
-          </p:spPr>
-          <p:style>
-            <a:lnRef idx="1">
-              <a:schemeClr val="accent1"/>
-            </a:lnRef>
-            <a:fillRef idx="0">
-              <a:schemeClr val="accent1"/>
-            </a:fillRef>
-            <a:effectRef idx="0">
-              <a:schemeClr val="accent1"/>
-            </a:effectRef>
-            <a:fontRef idx="minor">
-              <a:schemeClr val="tx1"/>
-            </a:fontRef>
-          </p:style>
-        </p:cxnSp>
-        <p:sp>
-          <p:nvSpPr>
-            <p:cNvPr id="8" name="Rectangle 7">
-              <a:extLst>
-                <a:ext uri="{FF2B5EF4-FFF2-40B4-BE49-F238E27FC236}">
-                  <a16:creationId xmlns:a16="http://schemas.microsoft.com/office/drawing/2014/main" id="{3CE41167-E012-8342-BC8D-72762CCABF19}"/>
-                </a:ext>
-              </a:extLst>
-            </p:cNvPr>
-            <p:cNvSpPr/>
-            <p:nvPr/>
-          </p:nvSpPr>
-          <p:spPr>
-            <a:xfrm>
-              <a:off x="1722474" y="3200400"/>
-              <a:ext cx="255182" cy="180754"/>
-            </a:xfrm>
-            <a:prstGeom prst="rect">
-              <a:avLst/>
-            </a:prstGeom>
-            <a:solidFill>
-              <a:schemeClr val="bg1"/>
-            </a:solidFill>
-            <a:ln>
-              <a:noFill/>
-            </a:ln>
-          </p:spPr>
-          <p:style>
-            <a:lnRef idx="2">
-              <a:schemeClr val="accent1">
-                <a:shade val="50000"/>
-              </a:schemeClr>
-            </a:lnRef>
-            <a:fillRef idx="1">
-              <a:schemeClr val="accent1"/>
-            </a:fillRef>
-            <a:effectRef idx="0">
-              <a:schemeClr val="accent1"/>
-            </a:effectRef>
-            <a:fontRef idx="minor">
-              <a:schemeClr val="lt1"/>
-            </a:fontRef>
-          </p:style>
-          <p:txBody>
-            <a:bodyPr rtlCol="0" anchor="ctr"/>
-            <a:lstStyle/>
-            <a:p>
-              <a:pPr algn="ctr"/>
-              <a:endParaRPr lang="en-US"/>
-            </a:p>
-          </p:txBody>
-        </p:sp>
-        <p:sp>
-          <p:nvSpPr>
-            <p:cNvPr id="33" name="Rectangle 32">
-              <a:extLst>
-                <a:ext uri="{FF2B5EF4-FFF2-40B4-BE49-F238E27FC236}">
-                  <a16:creationId xmlns:a16="http://schemas.microsoft.com/office/drawing/2014/main" id="{CAE1AADE-C9B1-E14D-953B-BA7550ECBBE0}"/>
-                </a:ext>
-              </a:extLst>
-            </p:cNvPr>
-            <p:cNvSpPr/>
-            <p:nvPr/>
-          </p:nvSpPr>
-          <p:spPr>
-            <a:xfrm>
-              <a:off x="3767468" y="3203942"/>
-              <a:ext cx="255182" cy="180754"/>
-            </a:xfrm>
-            <a:prstGeom prst="rect">
-              <a:avLst/>
-            </a:prstGeom>
-            <a:solidFill>
-              <a:schemeClr val="bg1"/>
-            </a:solidFill>
-            <a:ln>
-              <a:noFill/>
-            </a:ln>
-          </p:spPr>
-          <p:style>
-            <a:lnRef idx="2">
-              <a:schemeClr val="accent1">
-                <a:shade val="50000"/>
-              </a:schemeClr>
-            </a:lnRef>
-            <a:fillRef idx="1">
-              <a:schemeClr val="accent1"/>
-            </a:fillRef>
-            <a:effectRef idx="0">
-              <a:schemeClr val="accent1"/>
-            </a:effectRef>
-            <a:fontRef idx="minor">
-              <a:schemeClr val="lt1"/>
-            </a:fontRef>
-          </p:style>
-          <p:txBody>
-            <a:bodyPr rtlCol="0" anchor="ctr"/>
-            <a:lstStyle/>
-            <a:p>
-              <a:pPr algn="ctr"/>
-              <a:endParaRPr lang="en-US"/>
-            </a:p>
-          </p:txBody>
-        </p:sp>
-        <p:sp>
-          <p:nvSpPr>
-            <p:cNvPr id="34" name="Rectangle 33">
-              <a:extLst>
-                <a:ext uri="{FF2B5EF4-FFF2-40B4-BE49-F238E27FC236}">
-                  <a16:creationId xmlns:a16="http://schemas.microsoft.com/office/drawing/2014/main" id="{4DC8DD79-7153-7940-8DD3-6A7E67EBB4DD}"/>
-                </a:ext>
-              </a:extLst>
-            </p:cNvPr>
-            <p:cNvSpPr/>
-            <p:nvPr/>
-          </p:nvSpPr>
-          <p:spPr>
-            <a:xfrm>
-              <a:off x="5769932" y="3196853"/>
-              <a:ext cx="255182" cy="180754"/>
-            </a:xfrm>
-            <a:prstGeom prst="rect">
-              <a:avLst/>
-            </a:prstGeom>
-            <a:solidFill>
-              <a:schemeClr val="bg1"/>
-            </a:solidFill>
-            <a:ln>
-              <a:noFill/>
-            </a:ln>
-          </p:spPr>
-          <p:style>
-            <a:lnRef idx="2">
-              <a:schemeClr val="accent1">
-                <a:shade val="50000"/>
-              </a:schemeClr>
-            </a:lnRef>
-            <a:fillRef idx="1">
-              <a:schemeClr val="accent1"/>
-            </a:fillRef>
-            <a:effectRef idx="0">
-              <a:schemeClr val="accent1"/>
-            </a:effectRef>
-            <a:fontRef idx="minor">
-              <a:schemeClr val="lt1"/>
-            </a:fontRef>
-          </p:style>
-          <p:txBody>
-            <a:bodyPr rtlCol="0" anchor="ctr"/>
-            <a:lstStyle/>
-            <a:p>
-              <a:pPr algn="ctr"/>
-              <a:endParaRPr lang="en-US"/>
-            </a:p>
-          </p:txBody>
-        </p:sp>
-        <p:sp>
-          <p:nvSpPr>
-            <p:cNvPr id="37" name="Rectangle 36">
-              <a:extLst>
-                <a:ext uri="{FF2B5EF4-FFF2-40B4-BE49-F238E27FC236}">
-                  <a16:creationId xmlns:a16="http://schemas.microsoft.com/office/drawing/2014/main" id="{81C7EA2D-02F1-0D40-B37B-D1FC78D1CA60}"/>
-                </a:ext>
-              </a:extLst>
-            </p:cNvPr>
-            <p:cNvSpPr/>
-            <p:nvPr/>
-          </p:nvSpPr>
-          <p:spPr>
-            <a:xfrm>
-              <a:off x="7793667" y="3200396"/>
-              <a:ext cx="255182" cy="180754"/>
-            </a:xfrm>
-            <a:prstGeom prst="rect">
-              <a:avLst/>
-            </a:prstGeom>
-            <a:solidFill>
-              <a:schemeClr val="bg1"/>
-            </a:solidFill>
-            <a:ln>
-              <a:noFill/>
-            </a:ln>
-          </p:spPr>
-          <p:style>
-            <a:lnRef idx="2">
-              <a:schemeClr val="accent1">
-                <a:shade val="50000"/>
-              </a:schemeClr>
-            </a:lnRef>
-            <a:fillRef idx="1">
-              <a:schemeClr val="accent1"/>
-            </a:fillRef>
-            <a:effectRef idx="0">
-              <a:schemeClr val="accent1"/>
-            </a:effectRef>
-            <a:fontRef idx="minor">
-              <a:schemeClr val="lt1"/>
-            </a:fontRef>
-          </p:style>
-          <p:txBody>
-            <a:bodyPr rtlCol="0" anchor="ctr"/>
-            <a:lstStyle/>
-            <a:p>
-              <a:pPr algn="ctr"/>
-              <a:endParaRPr lang="en-US"/>
-            </a:p>
-          </p:txBody>
-        </p:sp>
         <p:sp>
           <p:nvSpPr>
             <p:cNvPr id="39" name="Rectangle 38">
@@ -5286,8 +3393,8 @@
           </p:nvSpPr>
           <p:spPr>
             <a:xfrm>
-              <a:off x="1768548" y="5925879"/>
-              <a:ext cx="255182" cy="180754"/>
+              <a:off x="2256591" y="6162400"/>
+              <a:ext cx="238270" cy="180754"/>
             </a:xfrm>
             <a:prstGeom prst="rect">
               <a:avLst/>
@@ -5338,8 +3445,8 @@
           </p:nvSpPr>
           <p:spPr>
             <a:xfrm>
-              <a:off x="3813542" y="5929421"/>
-              <a:ext cx="255182" cy="180754"/>
+              <a:off x="4166056" y="6165942"/>
+              <a:ext cx="238270" cy="180754"/>
             </a:xfrm>
             <a:prstGeom prst="rect">
               <a:avLst/>
@@ -5390,8 +3497,8 @@
           </p:nvSpPr>
           <p:spPr>
             <a:xfrm>
-              <a:off x="5816006" y="5922332"/>
-              <a:ext cx="255182" cy="180754"/>
+              <a:off x="6035810" y="6158853"/>
+              <a:ext cx="238270" cy="180754"/>
             </a:xfrm>
             <a:prstGeom prst="rect">
               <a:avLst/>
@@ -5442,8 +3549,8 @@
           </p:nvSpPr>
           <p:spPr>
             <a:xfrm>
-              <a:off x="7839741" y="5925875"/>
-              <a:ext cx="255182" cy="180754"/>
+              <a:off x="7925426" y="6162396"/>
+              <a:ext cx="238270" cy="180754"/>
             </a:xfrm>
             <a:prstGeom prst="rect">
               <a:avLst/>
@@ -5481,223 +3588,6 @@
           </p:txBody>
         </p:sp>
       </p:grpSp>
-      <p:sp>
-        <p:nvSpPr>
-          <p:cNvPr id="13" name="Rectangle 12">
-            <a:extLst>
-              <a:ext uri="{FF2B5EF4-FFF2-40B4-BE49-F238E27FC236}">
-                <a16:creationId xmlns:a16="http://schemas.microsoft.com/office/drawing/2014/main" id="{427E5D27-0DE9-4B44-881E-1527339A2722}"/>
-              </a:ext>
-            </a:extLst>
-          </p:cNvPr>
-          <p:cNvSpPr/>
-          <p:nvPr/>
-        </p:nvSpPr>
-        <p:spPr>
-          <a:xfrm>
-            <a:off x="6170366" y="6030128"/>
-            <a:ext cx="1811714" cy="461665"/>
-          </a:xfrm>
-          <a:prstGeom prst="rect">
-            <a:avLst/>
-          </a:prstGeom>
-        </p:spPr>
-        <p:txBody>
-          <a:bodyPr wrap="none">
-            <a:spAutoFit/>
-          </a:bodyPr>
-          <a:lstStyle/>
-          <a:p>
-            <a:r>
-              <a:rPr lang="en-US" sz="2400">
-                <a:latin typeface="Swell Braille" pitchFamily="49"/>
-              </a:rPr>
-              <a:t>⠼⠁⠚⠚⠚⠚⠚</a:t>
-            </a:r>
-          </a:p>
-        </p:txBody>
-      </p:sp>
-      <p:sp>
-        <p:nvSpPr>
-          <p:cNvPr id="44" name="TextBox 43">
-            <a:extLst>
-              <a:ext uri="{FF2B5EF4-FFF2-40B4-BE49-F238E27FC236}">
-                <a16:creationId xmlns:a16="http://schemas.microsoft.com/office/drawing/2014/main" id="{AA473D51-B196-7040-A3F2-971686FEDD07}"/>
-              </a:ext>
-            </a:extLst>
-          </p:cNvPr>
-          <p:cNvSpPr txBox="1"/>
-          <p:nvPr/>
-        </p:nvSpPr>
-        <p:spPr>
-          <a:xfrm>
-            <a:off x="0" y="2959396"/>
-            <a:ext cx="1075936" cy="461665"/>
-          </a:xfrm>
-          <a:prstGeom prst="rect">
-            <a:avLst/>
-          </a:prstGeom>
-          <a:noFill/>
-        </p:spPr>
-        <p:txBody>
-          <a:bodyPr wrap="none" rtlCol="0">
-            <a:spAutoFit/>
-          </a:bodyPr>
-          <a:lstStyle/>
-          <a:p>
-            <a:r>
-              <a:rPr lang="en-US" sz="2400">
-                <a:latin typeface="Swell Braille" pitchFamily="49"/>
-              </a:rPr>
-              <a:t>⠼⠁⠋⠚</a:t>
-            </a:r>
-          </a:p>
-        </p:txBody>
-      </p:sp>
-      <p:sp>
-        <p:nvSpPr>
-          <p:cNvPr id="28" name="Rectangle 27">
-            <a:extLst>
-              <a:ext uri="{FF2B5EF4-FFF2-40B4-BE49-F238E27FC236}">
-                <a16:creationId xmlns:a16="http://schemas.microsoft.com/office/drawing/2014/main" id="{5EE2C064-DF41-4246-B958-CB40862A151C}"/>
-              </a:ext>
-            </a:extLst>
-          </p:cNvPr>
-          <p:cNvSpPr/>
-          <p:nvPr/>
-        </p:nvSpPr>
-        <p:spPr>
-          <a:xfrm>
-            <a:off x="82413" y="5636723"/>
-            <a:ext cx="1114408" cy="461665"/>
-          </a:xfrm>
-          <a:prstGeom prst="rect">
-            <a:avLst/>
-          </a:prstGeom>
-        </p:spPr>
-        <p:txBody>
-          <a:bodyPr wrap="none">
-            <a:spAutoFit/>
-          </a:bodyPr>
-          <a:lstStyle/>
-          <a:p>
-            <a:r>
-              <a:rPr lang="en-US" sz="2400">
-                <a:latin typeface="Swell Braille" pitchFamily="49"/>
-              </a:rPr>
-              <a:t>⠤⠼⠁⠚</a:t>
-            </a:r>
-          </a:p>
-        </p:txBody>
-      </p:sp>
-      <p:sp>
-        <p:nvSpPr>
-          <p:cNvPr id="29" name="Rectangle 28">
-            <a:extLst>
-              <a:ext uri="{FF2B5EF4-FFF2-40B4-BE49-F238E27FC236}">
-                <a16:creationId xmlns:a16="http://schemas.microsoft.com/office/drawing/2014/main" id="{F28ADDD4-3D3C-3E4D-9F26-B9EA0F328F33}"/>
-              </a:ext>
-            </a:extLst>
-          </p:cNvPr>
-          <p:cNvSpPr/>
-          <p:nvPr/>
-        </p:nvSpPr>
-        <p:spPr>
-          <a:xfrm>
-            <a:off x="553248" y="4445877"/>
-            <a:ext cx="649537" cy="461665"/>
-          </a:xfrm>
-          <a:prstGeom prst="rect">
-            <a:avLst/>
-          </a:prstGeom>
-        </p:spPr>
-        <p:txBody>
-          <a:bodyPr wrap="none">
-            <a:spAutoFit/>
-          </a:bodyPr>
-          <a:lstStyle/>
-          <a:p>
-            <a:r>
-              <a:rPr lang="en-US" sz="2400">
-                <a:latin typeface="Swell Braille" pitchFamily="49"/>
-              </a:rPr>
-              <a:t>⠼⠚</a:t>
-            </a:r>
-          </a:p>
-        </p:txBody>
-      </p:sp>
-      <p:sp>
-        <p:nvSpPr>
-          <p:cNvPr id="31" name="Rectangle 30">
-            <a:extLst>
-              <a:ext uri="{FF2B5EF4-FFF2-40B4-BE49-F238E27FC236}">
-                <a16:creationId xmlns:a16="http://schemas.microsoft.com/office/drawing/2014/main" id="{8F38B2D4-FE17-3541-8DB6-0FDF427BF1F0}"/>
-              </a:ext>
-            </a:extLst>
-          </p:cNvPr>
-          <p:cNvSpPr/>
-          <p:nvPr/>
-        </p:nvSpPr>
-        <p:spPr>
-          <a:xfrm>
-            <a:off x="478821" y="3914249"/>
-            <a:ext cx="649537" cy="461665"/>
-          </a:xfrm>
-          <a:prstGeom prst="rect">
-            <a:avLst/>
-          </a:prstGeom>
-        </p:spPr>
-        <p:txBody>
-          <a:bodyPr wrap="none">
-            <a:spAutoFit/>
-          </a:bodyPr>
-          <a:lstStyle/>
-          <a:p>
-            <a:r>
-              <a:rPr lang="en-US" sz="2400">
-                <a:latin typeface="Swell Braille" pitchFamily="49"/>
-              </a:rPr>
-              <a:t>⠼⠙</a:t>
-            </a:r>
-          </a:p>
-        </p:txBody>
-      </p:sp>
-      <p:sp>
-        <p:nvSpPr>
-          <p:cNvPr id="46" name="Rectangle 45">
-            <a:extLst>
-              <a:ext uri="{FF2B5EF4-FFF2-40B4-BE49-F238E27FC236}">
-                <a16:creationId xmlns:a16="http://schemas.microsoft.com/office/drawing/2014/main" id="{7278B7FB-C9DD-4344-A4A2-3F16B120D501}"/>
-              </a:ext>
-            </a:extLst>
-          </p:cNvPr>
-          <p:cNvSpPr/>
-          <p:nvPr/>
-        </p:nvSpPr>
-        <p:spPr>
-          <a:xfrm>
-            <a:off x="691115" y="6396335"/>
-            <a:ext cx="8452885" cy="461665"/>
-          </a:xfrm>
-          <a:prstGeom prst="rect">
-            <a:avLst/>
-          </a:prstGeom>
-        </p:spPr>
-        <p:txBody>
-          <a:bodyPr wrap="square">
-            <a:spAutoFit/>
-          </a:bodyPr>
-          <a:lstStyle/>
-          <a:p>
-            <a:r>
-              <a:rPr lang="en-US" sz="2400">
-                <a:latin typeface="Swell Braille" pitchFamily="49"/>
-              </a:rPr>
-              <a:t>⠠⠽⠑⠜⠎⠀⠆⠋⠀⠏⠗⠑⠎⠢⠞⠀⠐⠣⠏⠗⠑⠎⠑⠝⠞⠀⠐⠶⠀⠼⠁⠊⠑⠚⠐⠜</a:t>
-            </a:r>
-          </a:p>
-        </p:txBody>
-      </p:sp>
       <p:cxnSp>
         <p:nvCxnSpPr>
           <p:cNvPr id="48" name="Straight Connector 47">
@@ -5775,10 +3665,2044 @@
           </a:p>
         </p:txBody>
       </p:sp>
+      <p:grpSp>
+        <p:nvGrpSpPr>
+          <p:cNvPr id="12" name="Group 11">
+            <a:extLst>
+              <a:ext uri="{FF2B5EF4-FFF2-40B4-BE49-F238E27FC236}">
+                <a16:creationId xmlns:a16="http://schemas.microsoft.com/office/drawing/2014/main" id="{C84797BE-ACE2-8D43-A29B-72B1609A273C}"/>
+              </a:ext>
+            </a:extLst>
+          </p:cNvPr>
+          <p:cNvGrpSpPr/>
+          <p:nvPr/>
+        </p:nvGrpSpPr>
+        <p:grpSpPr>
+          <a:xfrm>
+            <a:off x="2235086" y="3011935"/>
+            <a:ext cx="5615278" cy="189720"/>
+            <a:chOff x="2235086" y="3011935"/>
+            <a:chExt cx="5615278" cy="189720"/>
+          </a:xfrm>
+        </p:grpSpPr>
+        <p:sp>
+          <p:nvSpPr>
+            <p:cNvPr id="8" name="Rectangle 7">
+              <a:extLst>
+                <a:ext uri="{FF2B5EF4-FFF2-40B4-BE49-F238E27FC236}">
+                  <a16:creationId xmlns:a16="http://schemas.microsoft.com/office/drawing/2014/main" id="{3CE41167-E012-8342-BC8D-72762CCABF19}"/>
+                </a:ext>
+              </a:extLst>
+            </p:cNvPr>
+            <p:cNvSpPr/>
+            <p:nvPr/>
+          </p:nvSpPr>
+          <p:spPr>
+            <a:xfrm>
+              <a:off x="2235086" y="3017359"/>
+              <a:ext cx="238270" cy="180754"/>
+            </a:xfrm>
+            <a:prstGeom prst="rect">
+              <a:avLst/>
+            </a:prstGeom>
+            <a:solidFill>
+              <a:schemeClr val="bg1"/>
+            </a:solidFill>
+            <a:ln>
+              <a:noFill/>
+            </a:ln>
+          </p:spPr>
+          <p:style>
+            <a:lnRef idx="2">
+              <a:schemeClr val="accent1">
+                <a:shade val="50000"/>
+              </a:schemeClr>
+            </a:lnRef>
+            <a:fillRef idx="1">
+              <a:schemeClr val="accent1"/>
+            </a:fillRef>
+            <a:effectRef idx="0">
+              <a:schemeClr val="accent1"/>
+            </a:effectRef>
+            <a:fontRef idx="minor">
+              <a:schemeClr val="lt1"/>
+            </a:fontRef>
+          </p:style>
+          <p:txBody>
+            <a:bodyPr rtlCol="0" anchor="ctr"/>
+            <a:lstStyle/>
+            <a:p>
+              <a:pPr algn="ctr"/>
+              <a:endParaRPr lang="en-US"/>
+            </a:p>
+          </p:txBody>
+        </p:sp>
+        <p:grpSp>
+          <p:nvGrpSpPr>
+            <p:cNvPr id="11" name="Group 10">
+              <a:extLst>
+                <a:ext uri="{FF2B5EF4-FFF2-40B4-BE49-F238E27FC236}">
+                  <a16:creationId xmlns:a16="http://schemas.microsoft.com/office/drawing/2014/main" id="{C1E6537D-D185-0A4A-AFE9-8F7BE320C6F3}"/>
+                </a:ext>
+              </a:extLst>
+            </p:cNvPr>
+            <p:cNvGrpSpPr/>
+            <p:nvPr/>
+          </p:nvGrpSpPr>
+          <p:grpSpPr>
+            <a:xfrm>
+              <a:off x="4144552" y="3011935"/>
+              <a:ext cx="3705812" cy="189720"/>
+              <a:chOff x="4144552" y="3011935"/>
+              <a:chExt cx="3705812" cy="189720"/>
+            </a:xfrm>
+          </p:grpSpPr>
+          <p:sp>
+            <p:nvSpPr>
+              <p:cNvPr id="33" name="Rectangle 32">
+                <a:extLst>
+                  <a:ext uri="{FF2B5EF4-FFF2-40B4-BE49-F238E27FC236}">
+                    <a16:creationId xmlns:a16="http://schemas.microsoft.com/office/drawing/2014/main" id="{CAE1AADE-C9B1-E14D-953B-BA7550ECBBE0}"/>
+                  </a:ext>
+                </a:extLst>
+              </p:cNvPr>
+              <p:cNvSpPr/>
+              <p:nvPr/>
+            </p:nvSpPr>
+            <p:spPr>
+              <a:xfrm>
+                <a:off x="4144552" y="3020901"/>
+                <a:ext cx="238270" cy="180754"/>
+              </a:xfrm>
+              <a:prstGeom prst="rect">
+                <a:avLst/>
+              </a:prstGeom>
+              <a:solidFill>
+                <a:schemeClr val="bg1"/>
+              </a:solidFill>
+              <a:ln>
+                <a:noFill/>
+              </a:ln>
+            </p:spPr>
+            <p:style>
+              <a:lnRef idx="2">
+                <a:schemeClr val="accent1">
+                  <a:shade val="50000"/>
+                </a:schemeClr>
+              </a:lnRef>
+              <a:fillRef idx="1">
+                <a:schemeClr val="accent1"/>
+              </a:fillRef>
+              <a:effectRef idx="0">
+                <a:schemeClr val="accent1"/>
+              </a:effectRef>
+              <a:fontRef idx="minor">
+                <a:schemeClr val="lt1"/>
+              </a:fontRef>
+            </p:style>
+            <p:txBody>
+              <a:bodyPr rtlCol="0" anchor="ctr"/>
+              <a:lstStyle/>
+              <a:p>
+                <a:pPr algn="ctr"/>
+                <a:endParaRPr lang="en-US"/>
+              </a:p>
+            </p:txBody>
+          </p:sp>
+          <p:sp>
+            <p:nvSpPr>
+              <p:cNvPr id="35" name="Rectangle 34">
+                <a:extLst>
+                  <a:ext uri="{FF2B5EF4-FFF2-40B4-BE49-F238E27FC236}">
+                    <a16:creationId xmlns:a16="http://schemas.microsoft.com/office/drawing/2014/main" id="{3A2BADDB-ADAC-D342-A3D1-33457AC83BF7}"/>
+                  </a:ext>
+                </a:extLst>
+              </p:cNvPr>
+              <p:cNvSpPr/>
+              <p:nvPr/>
+            </p:nvSpPr>
+            <p:spPr>
+              <a:xfrm>
+                <a:off x="5835290" y="3011935"/>
+                <a:ext cx="238270" cy="180754"/>
+              </a:xfrm>
+              <a:prstGeom prst="rect">
+                <a:avLst/>
+              </a:prstGeom>
+              <a:solidFill>
+                <a:schemeClr val="bg1"/>
+              </a:solidFill>
+              <a:ln>
+                <a:noFill/>
+              </a:ln>
+            </p:spPr>
+            <p:style>
+              <a:lnRef idx="2">
+                <a:schemeClr val="accent1">
+                  <a:shade val="50000"/>
+                </a:schemeClr>
+              </a:lnRef>
+              <a:fillRef idx="1">
+                <a:schemeClr val="accent1"/>
+              </a:fillRef>
+              <a:effectRef idx="0">
+                <a:schemeClr val="accent1"/>
+              </a:effectRef>
+              <a:fontRef idx="minor">
+                <a:schemeClr val="lt1"/>
+              </a:fontRef>
+            </p:style>
+            <p:txBody>
+              <a:bodyPr rtlCol="0" anchor="ctr"/>
+              <a:lstStyle/>
+              <a:p>
+                <a:pPr algn="ctr"/>
+                <a:endParaRPr lang="en-US"/>
+              </a:p>
+            </p:txBody>
+          </p:sp>
+          <p:sp>
+            <p:nvSpPr>
+              <p:cNvPr id="36" name="Rectangle 35">
+                <a:extLst>
+                  <a:ext uri="{FF2B5EF4-FFF2-40B4-BE49-F238E27FC236}">
+                    <a16:creationId xmlns:a16="http://schemas.microsoft.com/office/drawing/2014/main" id="{B53A3615-2FF0-1E4A-A487-0DBC9BC53457}"/>
+                  </a:ext>
+                </a:extLst>
+              </p:cNvPr>
+              <p:cNvSpPr/>
+              <p:nvPr/>
+            </p:nvSpPr>
+            <p:spPr>
+              <a:xfrm>
+                <a:off x="7612094" y="3013727"/>
+                <a:ext cx="238270" cy="180754"/>
+              </a:xfrm>
+              <a:prstGeom prst="rect">
+                <a:avLst/>
+              </a:prstGeom>
+              <a:solidFill>
+                <a:schemeClr val="bg1"/>
+              </a:solidFill>
+              <a:ln>
+                <a:noFill/>
+              </a:ln>
+            </p:spPr>
+            <p:style>
+              <a:lnRef idx="2">
+                <a:schemeClr val="accent1">
+                  <a:shade val="50000"/>
+                </a:schemeClr>
+              </a:lnRef>
+              <a:fillRef idx="1">
+                <a:schemeClr val="accent1"/>
+              </a:fillRef>
+              <a:effectRef idx="0">
+                <a:schemeClr val="accent1"/>
+              </a:effectRef>
+              <a:fontRef idx="minor">
+                <a:schemeClr val="lt1"/>
+              </a:fontRef>
+            </p:style>
+            <p:txBody>
+              <a:bodyPr rtlCol="0" anchor="ctr"/>
+              <a:lstStyle/>
+              <a:p>
+                <a:pPr algn="ctr"/>
+                <a:endParaRPr lang="en-US"/>
+              </a:p>
+            </p:txBody>
+          </p:sp>
+        </p:grpSp>
+      </p:grpSp>
+      <p:sp>
+        <p:nvSpPr>
+          <p:cNvPr id="34" name="TextBox 33">
+            <a:extLst>
+              <a:ext uri="{FF2B5EF4-FFF2-40B4-BE49-F238E27FC236}">
+                <a16:creationId xmlns:a16="http://schemas.microsoft.com/office/drawing/2014/main" id="{93688261-393B-6148-9B55-A4B0903A94F1}"/>
+              </a:ext>
+            </a:extLst>
+          </p:cNvPr>
+          <p:cNvSpPr txBox="1"/>
+          <p:nvPr/>
+        </p:nvSpPr>
+        <p:spPr>
+          <a:xfrm flipH="1">
+            <a:off x="2328529" y="243914"/>
+            <a:ext cx="4603897" cy="369332"/>
+          </a:xfrm>
+          <a:prstGeom prst="rect">
+            <a:avLst/>
+          </a:prstGeom>
+          <a:noFill/>
+          <a:ln w="22225">
+            <a:noFill/>
+          </a:ln>
+        </p:spPr>
+        <p:txBody>
+          <a:bodyPr wrap="square" rtlCol="0">
+            <a:spAutoFit/>
+          </a:bodyPr>
+          <a:lstStyle/>
+          <a:p>
+            <a:pPr algn="ctr"/>
+            <a:r>
+              <a:rPr lang="en-US" sz="1800">
+                <a:latin typeface="Arial" panose="020B0604020202020204" pitchFamily="34" charset="0"/>
+                <a:ea typeface="Braille Normal" charset="0"/>
+                <a:cs typeface="Arial" panose="020B0604020202020204" pitchFamily="34" charset="0"/>
+              </a:rPr>
+              <a:t>Vostok Ice Core</a:t>
+            </a:r>
+          </a:p>
+        </p:txBody>
+      </p:sp>
+      <p:sp>
+        <p:nvSpPr>
+          <p:cNvPr id="38" name="TextBox 37">
+            <a:extLst>
+              <a:ext uri="{FF2B5EF4-FFF2-40B4-BE49-F238E27FC236}">
+                <a16:creationId xmlns:a16="http://schemas.microsoft.com/office/drawing/2014/main" id="{BBED57C8-9312-BE41-ABFA-434DB9ED0A95}"/>
+              </a:ext>
+            </a:extLst>
+          </p:cNvPr>
+          <p:cNvSpPr txBox="1"/>
+          <p:nvPr/>
+        </p:nvSpPr>
+        <p:spPr>
+          <a:xfrm>
+            <a:off x="1309747" y="5673652"/>
+            <a:ext cx="7592143" cy="307777"/>
+          </a:xfrm>
+          <a:prstGeom prst="rect">
+            <a:avLst/>
+          </a:prstGeom>
+          <a:noFill/>
+        </p:spPr>
+        <p:txBody>
+          <a:bodyPr wrap="none" rtlCol="0">
+            <a:spAutoFit/>
+          </a:bodyPr>
+          <a:lstStyle/>
+          <a:p>
+            <a:r>
+              <a:rPr lang="en-US" sz="1400">
+                <a:latin typeface="Arial" panose="020B0604020202020204" pitchFamily="34" charset="0"/>
+                <a:cs typeface="Arial" panose="020B0604020202020204" pitchFamily="34" charset="0"/>
+              </a:rPr>
+              <a:t>400	                 300	                200	                100	                 0</a:t>
+            </a:r>
+          </a:p>
+        </p:txBody>
+      </p:sp>
+      <p:sp>
+        <p:nvSpPr>
+          <p:cNvPr id="43" name="TextBox 42">
+            <a:extLst>
+              <a:ext uri="{FF2B5EF4-FFF2-40B4-BE49-F238E27FC236}">
+                <a16:creationId xmlns:a16="http://schemas.microsoft.com/office/drawing/2014/main" id="{4D2065F6-7758-3649-A57B-F26CA2CEC78F}"/>
+              </a:ext>
+            </a:extLst>
+          </p:cNvPr>
+          <p:cNvSpPr txBox="1"/>
+          <p:nvPr/>
+        </p:nvSpPr>
+        <p:spPr>
+          <a:xfrm flipH="1">
+            <a:off x="418212" y="3413203"/>
+            <a:ext cx="4603897" cy="369332"/>
+          </a:xfrm>
+          <a:prstGeom prst="rect">
+            <a:avLst/>
+          </a:prstGeom>
+          <a:noFill/>
+          <a:ln w="22225">
+            <a:noFill/>
+          </a:ln>
+        </p:spPr>
+        <p:txBody>
+          <a:bodyPr wrap="square" rtlCol="0">
+            <a:spAutoFit/>
+          </a:bodyPr>
+          <a:lstStyle/>
+          <a:p>
+            <a:r>
+              <a:rPr lang="en-US" sz="1800">
+                <a:latin typeface="Arial" panose="020B0604020202020204" pitchFamily="34" charset="0"/>
+                <a:ea typeface="Braille Normal" charset="0"/>
+                <a:cs typeface="Arial" panose="020B0604020202020204" pitchFamily="34" charset="0"/>
+              </a:rPr>
+              <a:t>T change from present (present = 1950)</a:t>
+            </a:r>
+          </a:p>
+        </p:txBody>
+      </p:sp>
+      <p:sp>
+        <p:nvSpPr>
+          <p:cNvPr id="45" name="TextBox 44">
+            <a:extLst>
+              <a:ext uri="{FF2B5EF4-FFF2-40B4-BE49-F238E27FC236}">
+                <a16:creationId xmlns:a16="http://schemas.microsoft.com/office/drawing/2014/main" id="{286992FA-8EEC-8E43-B382-77EF53575C89}"/>
+              </a:ext>
+            </a:extLst>
+          </p:cNvPr>
+          <p:cNvSpPr txBox="1"/>
+          <p:nvPr/>
+        </p:nvSpPr>
+        <p:spPr>
+          <a:xfrm flipH="1">
+            <a:off x="379227" y="729465"/>
+            <a:ext cx="4603897" cy="369332"/>
+          </a:xfrm>
+          <a:prstGeom prst="rect">
+            <a:avLst/>
+          </a:prstGeom>
+          <a:noFill/>
+          <a:ln w="22225">
+            <a:noFill/>
+          </a:ln>
+        </p:spPr>
+        <p:txBody>
+          <a:bodyPr wrap="square" rtlCol="0">
+            <a:spAutoFit/>
+          </a:bodyPr>
+          <a:lstStyle/>
+          <a:p>
+            <a:r>
+              <a:rPr lang="en-US" sz="1800">
+                <a:latin typeface="Arial" panose="020B0604020202020204" pitchFamily="34" charset="0"/>
+                <a:ea typeface="Braille Normal" charset="0"/>
+                <a:cs typeface="Arial" panose="020B0604020202020204" pitchFamily="34" charset="0"/>
+              </a:rPr>
+              <a:t>CO2 concentration (ppm)</a:t>
+            </a:r>
+          </a:p>
+        </p:txBody>
+      </p:sp>
+      <p:sp>
+        <p:nvSpPr>
+          <p:cNvPr id="47" name="TextBox 46">
+            <a:extLst>
+              <a:ext uri="{FF2B5EF4-FFF2-40B4-BE49-F238E27FC236}">
+                <a16:creationId xmlns:a16="http://schemas.microsoft.com/office/drawing/2014/main" id="{6A5A53A6-8A49-AB4A-AAC5-7A87312CCC8F}"/>
+              </a:ext>
+            </a:extLst>
+          </p:cNvPr>
+          <p:cNvSpPr txBox="1"/>
+          <p:nvPr/>
+        </p:nvSpPr>
+        <p:spPr>
+          <a:xfrm>
+            <a:off x="778323" y="1063257"/>
+            <a:ext cx="482824" cy="307777"/>
+          </a:xfrm>
+          <a:prstGeom prst="rect">
+            <a:avLst/>
+          </a:prstGeom>
+          <a:noFill/>
+        </p:spPr>
+        <p:txBody>
+          <a:bodyPr wrap="square" rtlCol="0">
+            <a:spAutoFit/>
+          </a:bodyPr>
+          <a:lstStyle/>
+          <a:p>
+            <a:r>
+              <a:rPr lang="en-US" sz="1400" dirty="0">
+                <a:latin typeface="Arial" panose="020B0604020202020204" pitchFamily="34" charset="0"/>
+                <a:cs typeface="Arial" panose="020B0604020202020204" pitchFamily="34" charset="0"/>
+              </a:rPr>
+              <a:t>300</a:t>
+            </a:r>
+          </a:p>
+        </p:txBody>
+      </p:sp>
+      <p:sp>
+        <p:nvSpPr>
+          <p:cNvPr id="50" name="TextBox 49">
+            <a:extLst>
+              <a:ext uri="{FF2B5EF4-FFF2-40B4-BE49-F238E27FC236}">
+                <a16:creationId xmlns:a16="http://schemas.microsoft.com/office/drawing/2014/main" id="{42E195CA-8598-1F4E-A030-B412C9A493E7}"/>
+              </a:ext>
+            </a:extLst>
+          </p:cNvPr>
+          <p:cNvSpPr txBox="1"/>
+          <p:nvPr/>
+        </p:nvSpPr>
+        <p:spPr>
+          <a:xfrm>
+            <a:off x="907884" y="3775100"/>
+            <a:ext cx="284116" cy="738664"/>
+          </a:xfrm>
+          <a:prstGeom prst="rect">
+            <a:avLst/>
+          </a:prstGeom>
+          <a:noFill/>
+        </p:spPr>
+        <p:txBody>
+          <a:bodyPr wrap="none" rtlCol="0">
+            <a:spAutoFit/>
+          </a:bodyPr>
+          <a:lstStyle/>
+          <a:p>
+            <a:pPr algn="r"/>
+            <a:endParaRPr lang="en-US" sz="1400">
+              <a:latin typeface="Arial" panose="020B0604020202020204" pitchFamily="34" charset="0"/>
+              <a:cs typeface="Arial" panose="020B0604020202020204" pitchFamily="34" charset="0"/>
+            </a:endParaRPr>
+          </a:p>
+          <a:p>
+            <a:pPr algn="r"/>
+            <a:endParaRPr lang="en-US" sz="1400">
+              <a:latin typeface="Arial" panose="020B0604020202020204" pitchFamily="34" charset="0"/>
+              <a:cs typeface="Arial" panose="020B0604020202020204" pitchFamily="34" charset="0"/>
+            </a:endParaRPr>
+          </a:p>
+          <a:p>
+            <a:pPr algn="r"/>
+            <a:r>
+              <a:rPr lang="en-US" sz="1400">
+                <a:latin typeface="Arial" panose="020B0604020202020204" pitchFamily="34" charset="0"/>
+                <a:cs typeface="Arial" panose="020B0604020202020204" pitchFamily="34" charset="0"/>
+              </a:rPr>
+              <a:t>0</a:t>
+            </a:r>
+          </a:p>
+        </p:txBody>
+      </p:sp>
+      <p:sp>
+        <p:nvSpPr>
+          <p:cNvPr id="52" name="TextBox 51">
+            <a:extLst>
+              <a:ext uri="{FF2B5EF4-FFF2-40B4-BE49-F238E27FC236}">
+                <a16:creationId xmlns:a16="http://schemas.microsoft.com/office/drawing/2014/main" id="{1FB24E3C-6BDB-7B4A-A7EB-01803266C900}"/>
+              </a:ext>
+            </a:extLst>
+          </p:cNvPr>
+          <p:cNvSpPr txBox="1"/>
+          <p:nvPr/>
+        </p:nvSpPr>
+        <p:spPr>
+          <a:xfrm>
+            <a:off x="829061" y="3746872"/>
+            <a:ext cx="388248" cy="307777"/>
+          </a:xfrm>
+          <a:prstGeom prst="rect">
+            <a:avLst/>
+          </a:prstGeom>
+          <a:noFill/>
+        </p:spPr>
+        <p:txBody>
+          <a:bodyPr wrap="none" rtlCol="0">
+            <a:spAutoFit/>
+          </a:bodyPr>
+          <a:lstStyle/>
+          <a:p>
+            <a:pPr algn="r"/>
+            <a:r>
+              <a:rPr lang="en-US" sz="1400" dirty="0">
+                <a:latin typeface="Arial" panose="020B0604020202020204" pitchFamily="34" charset="0"/>
+                <a:cs typeface="Arial" panose="020B0604020202020204" pitchFamily="34" charset="0"/>
+              </a:rPr>
+              <a:t>+4</a:t>
+            </a:r>
+          </a:p>
+        </p:txBody>
+      </p:sp>
+      <p:sp>
+        <p:nvSpPr>
+          <p:cNvPr id="53" name="TextBox 52">
+            <a:extLst>
+              <a:ext uri="{FF2B5EF4-FFF2-40B4-BE49-F238E27FC236}">
+                <a16:creationId xmlns:a16="http://schemas.microsoft.com/office/drawing/2014/main" id="{4D81F117-0A2E-834A-997F-C56936F3CE8B}"/>
+              </a:ext>
+            </a:extLst>
+          </p:cNvPr>
+          <p:cNvSpPr txBox="1"/>
+          <p:nvPr/>
+        </p:nvSpPr>
+        <p:spPr>
+          <a:xfrm flipH="1">
+            <a:off x="1309747" y="6110275"/>
+            <a:ext cx="5647765" cy="369332"/>
+          </a:xfrm>
+          <a:prstGeom prst="rect">
+            <a:avLst/>
+          </a:prstGeom>
+          <a:noFill/>
+          <a:ln w="22225">
+            <a:noFill/>
+          </a:ln>
+        </p:spPr>
+        <p:txBody>
+          <a:bodyPr wrap="square" rtlCol="0">
+            <a:spAutoFit/>
+          </a:bodyPr>
+          <a:lstStyle/>
+          <a:p>
+            <a:r>
+              <a:rPr lang="en-US" sz="1800" dirty="0">
+                <a:latin typeface="Arial" panose="020B0604020202020204" pitchFamily="34" charset="0"/>
+                <a:ea typeface="Braille Normal" charset="0"/>
+                <a:cs typeface="Arial" panose="020B0604020202020204" pitchFamily="34" charset="0"/>
+              </a:rPr>
+              <a:t>Thousands of years before present (1950)</a:t>
+            </a:r>
+          </a:p>
+        </p:txBody>
+      </p:sp>
+      <p:sp>
+        <p:nvSpPr>
+          <p:cNvPr id="54" name="Rectangle 53">
+            <a:extLst>
+              <a:ext uri="{FF2B5EF4-FFF2-40B4-BE49-F238E27FC236}">
+                <a16:creationId xmlns:a16="http://schemas.microsoft.com/office/drawing/2014/main" id="{33686D97-F37B-BC40-92BE-80D6C3DB8870}"/>
+              </a:ext>
+            </a:extLst>
+          </p:cNvPr>
+          <p:cNvSpPr/>
+          <p:nvPr/>
+        </p:nvSpPr>
+        <p:spPr>
+          <a:xfrm>
+            <a:off x="5906949" y="666561"/>
+            <a:ext cx="3130725" cy="246221"/>
+          </a:xfrm>
+          <a:prstGeom prst="rect">
+            <a:avLst/>
+          </a:prstGeom>
+        </p:spPr>
+        <p:txBody>
+          <a:bodyPr wrap="square">
+            <a:spAutoFit/>
+          </a:bodyPr>
+          <a:lstStyle/>
+          <a:p>
+            <a:r>
+              <a:rPr lang="en-US" sz="1000">
+                <a:latin typeface="Arial" panose="020B0604020202020204" pitchFamily="34" charset="0"/>
+                <a:cs typeface="Arial" panose="020B0604020202020204" pitchFamily="34" charset="0"/>
+              </a:rPr>
+              <a:t>modified from </a:t>
+            </a:r>
+            <a:r>
+              <a:rPr lang="en-US" sz="1000">
+                <a:latin typeface="Arial" panose="020B0604020202020204" pitchFamily="34" charset="0"/>
+                <a:cs typeface="Arial" panose="020B0604020202020204" pitchFamily="34" charset="0"/>
+                <a:hlinkClick r:id="rId3"/>
+              </a:rPr>
+              <a:t>https://www.grida.no/resources/6443</a:t>
+            </a:r>
+            <a:endParaRPr lang="en-US" sz="1000">
+              <a:latin typeface="Arial" panose="020B0604020202020204" pitchFamily="34" charset="0"/>
+              <a:cs typeface="Arial" panose="020B0604020202020204" pitchFamily="34" charset="0"/>
+            </a:endParaRPr>
+          </a:p>
+        </p:txBody>
+      </p:sp>
+      <p:sp>
+        <p:nvSpPr>
+          <p:cNvPr id="3" name="Rectangle 2">
+            <a:extLst>
+              <a:ext uri="{FF2B5EF4-FFF2-40B4-BE49-F238E27FC236}">
+                <a16:creationId xmlns:a16="http://schemas.microsoft.com/office/drawing/2014/main" id="{2E0EED74-78BC-CC42-82DB-7ED7DF485918}"/>
+              </a:ext>
+            </a:extLst>
+          </p:cNvPr>
+          <p:cNvSpPr/>
+          <p:nvPr/>
+        </p:nvSpPr>
+        <p:spPr>
+          <a:xfrm>
+            <a:off x="805999" y="5320560"/>
+            <a:ext cx="442750" cy="307777"/>
+          </a:xfrm>
+          <a:prstGeom prst="rect">
+            <a:avLst/>
+          </a:prstGeom>
+        </p:spPr>
+        <p:txBody>
+          <a:bodyPr wrap="none">
+            <a:spAutoFit/>
+          </a:bodyPr>
+          <a:lstStyle/>
+          <a:p>
+            <a:pPr algn="r"/>
+            <a:r>
+              <a:rPr lang="en-US" sz="1400">
+                <a:latin typeface="Arial" panose="020B0604020202020204" pitchFamily="34" charset="0"/>
+                <a:cs typeface="Arial" panose="020B0604020202020204" pitchFamily="34" charset="0"/>
+              </a:rPr>
+              <a:t>-10</a:t>
+            </a:r>
+          </a:p>
+        </p:txBody>
+      </p:sp>
+      <p:sp>
+        <p:nvSpPr>
+          <p:cNvPr id="30" name="TextBox 29">
+            <a:extLst>
+              <a:ext uri="{FF2B5EF4-FFF2-40B4-BE49-F238E27FC236}">
+                <a16:creationId xmlns:a16="http://schemas.microsoft.com/office/drawing/2014/main" id="{FB48BC0C-2FFB-476F-B4AC-54481CCDCC2E}"/>
+              </a:ext>
+            </a:extLst>
+          </p:cNvPr>
+          <p:cNvSpPr txBox="1"/>
+          <p:nvPr/>
+        </p:nvSpPr>
+        <p:spPr>
+          <a:xfrm>
+            <a:off x="778323" y="2794033"/>
+            <a:ext cx="482824" cy="307777"/>
+          </a:xfrm>
+          <a:prstGeom prst="rect">
+            <a:avLst/>
+          </a:prstGeom>
+          <a:noFill/>
+        </p:spPr>
+        <p:txBody>
+          <a:bodyPr wrap="square" rtlCol="0">
+            <a:spAutoFit/>
+          </a:bodyPr>
+          <a:lstStyle/>
+          <a:p>
+            <a:r>
+              <a:rPr lang="en-US" sz="1400" dirty="0">
+                <a:latin typeface="Arial" panose="020B0604020202020204" pitchFamily="34" charset="0"/>
+                <a:cs typeface="Arial" panose="020B0604020202020204" pitchFamily="34" charset="0"/>
+              </a:rPr>
+              <a:t>160</a:t>
+            </a:r>
+          </a:p>
+        </p:txBody>
+      </p:sp>
     </p:spTree>
     <p:extLst>
       <p:ext uri="{BB962C8B-B14F-4D97-AF65-F5344CB8AC3E}">
-        <p14:creationId xmlns:p14="http://schemas.microsoft.com/office/powerpoint/2010/main" val="2888423019"/>
+        <p14:creationId xmlns:p14="http://schemas.microsoft.com/office/powerpoint/2010/main" val="1332399191"/>
+      </p:ext>
+    </p:extLst>
+  </p:cSld>
+  <p:clrMapOvr>
+    <a:masterClrMapping/>
+  </p:clrMapOvr>
+</p:sld>
+</file>
+
+<file path=ppt/slides/slide2.xml><?xml version="1.0" encoding="utf-8"?>
+<p:sld xmlns:a="http://schemas.openxmlformats.org/drawingml/2006/main" xmlns:r="http://schemas.openxmlformats.org/officeDocument/2006/relationships" xmlns:p="http://schemas.openxmlformats.org/presentationml/2006/main">
+  <p:cSld>
+    <p:spTree>
+      <p:nvGrpSpPr>
+        <p:cNvPr id="1" name=""/>
+        <p:cNvGrpSpPr/>
+        <p:nvPr/>
+      </p:nvGrpSpPr>
+      <p:grpSpPr>
+        <a:xfrm>
+          <a:off x="0" y="0"/>
+          <a:ext cx="0" cy="0"/>
+          <a:chOff x="0" y="0"/>
+          <a:chExt cx="0" cy="0"/>
+        </a:xfrm>
+      </p:grpSpPr>
+      <p:pic>
+        <p:nvPicPr>
+          <p:cNvPr id="16" name="Picture 15" descr="A close up of a logo&#10;&#10;Description automatically generated">
+            <a:extLst>
+              <a:ext uri="{FF2B5EF4-FFF2-40B4-BE49-F238E27FC236}">
+                <a16:creationId xmlns:a16="http://schemas.microsoft.com/office/drawing/2014/main" id="{F4849845-38F1-AA4A-AF31-AA36D6D5B5E2}"/>
+              </a:ext>
+            </a:extLst>
+          </p:cNvPr>
+          <p:cNvPicPr>
+            <a:picLocks noChangeAspect="1"/>
+          </p:cNvPicPr>
+          <p:nvPr/>
+        </p:nvPicPr>
+        <p:blipFill rotWithShape="1">
+          <a:blip r:embed="rId2"/>
+          <a:srcRect b="51891"/>
+          <a:stretch/>
+        </p:blipFill>
+        <p:spPr>
+          <a:xfrm>
+            <a:off x="723588" y="978408"/>
+            <a:ext cx="8162232" cy="2593131"/>
+          </a:xfrm>
+          <a:prstGeom prst="rect">
+            <a:avLst/>
+          </a:prstGeom>
+        </p:spPr>
+      </p:pic>
+      <p:pic>
+        <p:nvPicPr>
+          <p:cNvPr id="51" name="Picture 50" descr="A close up of a logo&#10;&#10;Description automatically generated">
+            <a:extLst>
+              <a:ext uri="{FF2B5EF4-FFF2-40B4-BE49-F238E27FC236}">
+                <a16:creationId xmlns:a16="http://schemas.microsoft.com/office/drawing/2014/main" id="{A5200B5B-7667-0E4E-ACFA-217B2DDD39FA}"/>
+              </a:ext>
+            </a:extLst>
+          </p:cNvPr>
+          <p:cNvPicPr>
+            <a:picLocks noChangeAspect="1"/>
+          </p:cNvPicPr>
+          <p:nvPr/>
+        </p:nvPicPr>
+        <p:blipFill rotWithShape="1">
+          <a:blip r:embed="rId2"/>
+          <a:srcRect t="50071"/>
+          <a:stretch/>
+        </p:blipFill>
+        <p:spPr>
+          <a:xfrm>
+            <a:off x="725382" y="3700626"/>
+            <a:ext cx="8162232" cy="2691205"/>
+          </a:xfrm>
+          <a:prstGeom prst="rect">
+            <a:avLst/>
+          </a:prstGeom>
+        </p:spPr>
+      </p:pic>
+      <p:sp>
+        <p:nvSpPr>
+          <p:cNvPr id="18" name="TextBox 17">
+            <a:extLst>
+              <a:ext uri="{FF2B5EF4-FFF2-40B4-BE49-F238E27FC236}">
+                <a16:creationId xmlns:a16="http://schemas.microsoft.com/office/drawing/2014/main" id="{3689F11F-0DB9-EE40-BD93-92720467DD5C}"/>
+              </a:ext>
+            </a:extLst>
+          </p:cNvPr>
+          <p:cNvSpPr txBox="1"/>
+          <p:nvPr/>
+        </p:nvSpPr>
+        <p:spPr>
+          <a:xfrm>
+            <a:off x="1289589" y="5654944"/>
+            <a:ext cx="1238462" cy="677108"/>
+          </a:xfrm>
+          <a:prstGeom prst="rect">
+            <a:avLst/>
+          </a:prstGeom>
+          <a:noFill/>
+        </p:spPr>
+        <p:txBody>
+          <a:bodyPr wrap="square" rtlCol="0">
+            <a:spAutoFit/>
+          </a:bodyPr>
+          <a:lstStyle/>
+          <a:p>
+            <a:r>
+              <a:rPr lang="en-US" sz="2400">
+                <a:latin typeface="Swell Braille" pitchFamily="49"/>
+              </a:rPr>
+              <a:t>⠼⠙⠚⠚</a:t>
+            </a:r>
+            <a:r>
+              <a:rPr lang="en-US" sz="1400"/>
+              <a:t>		</a:t>
+            </a:r>
+          </a:p>
+        </p:txBody>
+      </p:sp>
+      <p:sp>
+        <p:nvSpPr>
+          <p:cNvPr id="19" name="TextBox 18">
+            <a:extLst>
+              <a:ext uri="{FF2B5EF4-FFF2-40B4-BE49-F238E27FC236}">
+                <a16:creationId xmlns:a16="http://schemas.microsoft.com/office/drawing/2014/main" id="{3B2B52EE-A302-AB4C-A52F-58C30167D08E}"/>
+              </a:ext>
+            </a:extLst>
+          </p:cNvPr>
+          <p:cNvSpPr txBox="1"/>
+          <p:nvPr/>
+        </p:nvSpPr>
+        <p:spPr>
+          <a:xfrm flipH="1">
+            <a:off x="167780" y="3279766"/>
+            <a:ext cx="8800217" cy="461665"/>
+          </a:xfrm>
+          <a:prstGeom prst="rect">
+            <a:avLst/>
+          </a:prstGeom>
+          <a:noFill/>
+          <a:ln w="22225">
+            <a:noFill/>
+          </a:ln>
+        </p:spPr>
+        <p:txBody>
+          <a:bodyPr wrap="square" rtlCol="0">
+            <a:spAutoFit/>
+          </a:bodyPr>
+          <a:lstStyle/>
+          <a:p>
+            <a:r>
+              <a:rPr lang="en-US" sz="2400" dirty="0">
+                <a:latin typeface="Swell Braille" pitchFamily="49"/>
+                <a:ea typeface="Braille Normal" charset="0"/>
+                <a:cs typeface="Arial" panose="020B0604020202020204" pitchFamily="34" charset="0"/>
+              </a:rPr>
+              <a:t>;⠠⠞⠀⠡⠁⠝⠛⠑⠀⠋⠀⠏⠗⠑⠎⠢⠞⠀⠐⠣⠏⠗⠑⠎5⠞⠀⠐⠶⠀⠼⠁⠊⠑⠚⠐⠜</a:t>
+            </a:r>
+          </a:p>
+        </p:txBody>
+      </p:sp>
+      <p:sp>
+        <p:nvSpPr>
+          <p:cNvPr id="20" name="TextBox 19">
+            <a:extLst>
+              <a:ext uri="{FF2B5EF4-FFF2-40B4-BE49-F238E27FC236}">
+                <a16:creationId xmlns:a16="http://schemas.microsoft.com/office/drawing/2014/main" id="{B77447EE-8177-7149-B8DA-A096F3020D1B}"/>
+              </a:ext>
+            </a:extLst>
+          </p:cNvPr>
+          <p:cNvSpPr txBox="1"/>
+          <p:nvPr/>
+        </p:nvSpPr>
+        <p:spPr>
+          <a:xfrm flipH="1">
+            <a:off x="67970" y="582453"/>
+            <a:ext cx="5925880" cy="461665"/>
+          </a:xfrm>
+          <a:prstGeom prst="rect">
+            <a:avLst/>
+          </a:prstGeom>
+          <a:noFill/>
+          <a:ln w="22225">
+            <a:noFill/>
+          </a:ln>
+        </p:spPr>
+        <p:txBody>
+          <a:bodyPr wrap="square" rtlCol="0">
+            <a:spAutoFit/>
+          </a:bodyPr>
+          <a:lstStyle/>
+          <a:p>
+            <a:r>
+              <a:rPr lang="en-US" sz="2400" dirty="0">
+                <a:latin typeface="Swell Braille" pitchFamily="49"/>
+                <a:ea typeface="Braille Normal" charset="0"/>
+                <a:cs typeface="Braille Normal" charset="0"/>
+              </a:rPr>
+              <a:t>⠠⠉,⠕⠼⠃⠀3c⠢⠞⠗⠁⠰⠝⠀⠐⠣⠏⠏⠍⠐⠜</a:t>
+            </a:r>
+          </a:p>
+        </p:txBody>
+      </p:sp>
+      <p:sp>
+        <p:nvSpPr>
+          <p:cNvPr id="21" name="TextBox 20">
+            <a:extLst>
+              <a:ext uri="{FF2B5EF4-FFF2-40B4-BE49-F238E27FC236}">
+                <a16:creationId xmlns:a16="http://schemas.microsoft.com/office/drawing/2014/main" id="{1A42C52E-3335-FD49-8F8A-7D1E2B33FC16}"/>
+              </a:ext>
+            </a:extLst>
+          </p:cNvPr>
+          <p:cNvSpPr txBox="1"/>
+          <p:nvPr/>
+        </p:nvSpPr>
+        <p:spPr>
+          <a:xfrm>
+            <a:off x="181880" y="989413"/>
+            <a:ext cx="1075936" cy="461665"/>
+          </a:xfrm>
+          <a:prstGeom prst="rect">
+            <a:avLst/>
+          </a:prstGeom>
+          <a:noFill/>
+        </p:spPr>
+        <p:txBody>
+          <a:bodyPr wrap="none" rtlCol="0">
+            <a:spAutoFit/>
+          </a:bodyPr>
+          <a:lstStyle/>
+          <a:p>
+            <a:r>
+              <a:rPr lang="en-US" sz="2400" dirty="0">
+                <a:latin typeface="Swell Braille" pitchFamily="49"/>
+              </a:rPr>
+              <a:t>⠼⠉⠚⠚</a:t>
+            </a:r>
+          </a:p>
+        </p:txBody>
+      </p:sp>
+      <p:sp>
+        <p:nvSpPr>
+          <p:cNvPr id="26" name="TextBox 25">
+            <a:extLst>
+              <a:ext uri="{FF2B5EF4-FFF2-40B4-BE49-F238E27FC236}">
+                <a16:creationId xmlns:a16="http://schemas.microsoft.com/office/drawing/2014/main" id="{3C5A1918-BFD8-6E49-A786-E5B1ABC353EB}"/>
+              </a:ext>
+            </a:extLst>
+          </p:cNvPr>
+          <p:cNvSpPr txBox="1"/>
+          <p:nvPr/>
+        </p:nvSpPr>
+        <p:spPr>
+          <a:xfrm flipH="1">
+            <a:off x="2446112" y="147970"/>
+            <a:ext cx="4603897" cy="461665"/>
+          </a:xfrm>
+          <a:prstGeom prst="rect">
+            <a:avLst/>
+          </a:prstGeom>
+          <a:noFill/>
+          <a:ln w="22225">
+            <a:noFill/>
+          </a:ln>
+        </p:spPr>
+        <p:txBody>
+          <a:bodyPr wrap="square" rtlCol="0">
+            <a:spAutoFit/>
+          </a:bodyPr>
+          <a:lstStyle/>
+          <a:p>
+            <a:pPr algn="ctr"/>
+            <a:r>
+              <a:rPr lang="en-US" sz="2400">
+                <a:latin typeface="Swell Braille" pitchFamily="49"/>
+                <a:ea typeface="Braille Normal" charset="0"/>
+                <a:cs typeface="Braille Normal" charset="0"/>
+              </a:rPr>
+              <a:t>⠠⠧⠕⠌⠕⠅⠀⠠⠊⠉⠑⠀⠠⠉⠕⠗⠑</a:t>
+            </a:r>
+          </a:p>
+        </p:txBody>
+      </p:sp>
+      <p:sp>
+        <p:nvSpPr>
+          <p:cNvPr id="4" name="Rectangle 3">
+            <a:extLst>
+              <a:ext uri="{FF2B5EF4-FFF2-40B4-BE49-F238E27FC236}">
+                <a16:creationId xmlns:a16="http://schemas.microsoft.com/office/drawing/2014/main" id="{FAFC773C-C4EE-8241-B5CB-90138C739D5D}"/>
+              </a:ext>
+            </a:extLst>
+          </p:cNvPr>
+          <p:cNvSpPr/>
+          <p:nvPr/>
+        </p:nvSpPr>
+        <p:spPr>
+          <a:xfrm>
+            <a:off x="4860429" y="5663745"/>
+            <a:ext cx="1075936" cy="461665"/>
+          </a:xfrm>
+          <a:prstGeom prst="rect">
+            <a:avLst/>
+          </a:prstGeom>
+        </p:spPr>
+        <p:txBody>
+          <a:bodyPr wrap="none">
+            <a:spAutoFit/>
+          </a:bodyPr>
+          <a:lstStyle/>
+          <a:p>
+            <a:r>
+              <a:rPr lang="en-US" sz="2400">
+                <a:latin typeface="Swell Braille" pitchFamily="49"/>
+              </a:rPr>
+              <a:t>⠼⠃⠚⠚</a:t>
+            </a:r>
+          </a:p>
+        </p:txBody>
+      </p:sp>
+      <p:sp>
+        <p:nvSpPr>
+          <p:cNvPr id="6" name="Rectangle 5">
+            <a:extLst>
+              <a:ext uri="{FF2B5EF4-FFF2-40B4-BE49-F238E27FC236}">
+                <a16:creationId xmlns:a16="http://schemas.microsoft.com/office/drawing/2014/main" id="{EA70293D-B4AE-194F-A944-41AB04B6470C}"/>
+              </a:ext>
+            </a:extLst>
+          </p:cNvPr>
+          <p:cNvSpPr/>
+          <p:nvPr/>
+        </p:nvSpPr>
+        <p:spPr>
+          <a:xfrm>
+            <a:off x="8440672" y="5631971"/>
+            <a:ext cx="649537" cy="461665"/>
+          </a:xfrm>
+          <a:prstGeom prst="rect">
+            <a:avLst/>
+          </a:prstGeom>
+        </p:spPr>
+        <p:txBody>
+          <a:bodyPr wrap="none">
+            <a:spAutoFit/>
+          </a:bodyPr>
+          <a:lstStyle/>
+          <a:p>
+            <a:r>
+              <a:rPr lang="en-US" sz="2400">
+                <a:latin typeface="Swell Braille" pitchFamily="49"/>
+              </a:rPr>
+              <a:t>⠼⠚</a:t>
+            </a:r>
+          </a:p>
+        </p:txBody>
+      </p:sp>
+      <p:sp>
+        <p:nvSpPr>
+          <p:cNvPr id="7" name="Rectangle 6">
+            <a:extLst>
+              <a:ext uri="{FF2B5EF4-FFF2-40B4-BE49-F238E27FC236}">
+                <a16:creationId xmlns:a16="http://schemas.microsoft.com/office/drawing/2014/main" id="{8BAC86E4-F1C7-1B42-B668-740F7541F575}"/>
+              </a:ext>
+            </a:extLst>
+          </p:cNvPr>
+          <p:cNvSpPr/>
+          <p:nvPr/>
+        </p:nvSpPr>
+        <p:spPr>
+          <a:xfrm>
+            <a:off x="3075041" y="5685260"/>
+            <a:ext cx="1075936" cy="461665"/>
+          </a:xfrm>
+          <a:prstGeom prst="rect">
+            <a:avLst/>
+          </a:prstGeom>
+        </p:spPr>
+        <p:txBody>
+          <a:bodyPr wrap="none">
+            <a:spAutoFit/>
+          </a:bodyPr>
+          <a:lstStyle/>
+          <a:p>
+            <a:r>
+              <a:rPr lang="en-US" sz="2400">
+                <a:latin typeface="Swell Braille" pitchFamily="49"/>
+              </a:rPr>
+              <a:t>⠼⠉⠚⠚</a:t>
+            </a:r>
+          </a:p>
+        </p:txBody>
+      </p:sp>
+      <p:cxnSp>
+        <p:nvCxnSpPr>
+          <p:cNvPr id="23" name="Straight Connector 22">
+            <a:extLst>
+              <a:ext uri="{FF2B5EF4-FFF2-40B4-BE49-F238E27FC236}">
+                <a16:creationId xmlns:a16="http://schemas.microsoft.com/office/drawing/2014/main" id="{345A1EA4-2326-D945-95B7-791CD401F195}"/>
+              </a:ext>
+            </a:extLst>
+          </p:cNvPr>
+          <p:cNvCxnSpPr>
+            <a:cxnSpLocks/>
+          </p:cNvCxnSpPr>
+          <p:nvPr/>
+        </p:nvCxnSpPr>
+        <p:spPr>
+          <a:xfrm>
+            <a:off x="1220780" y="1190692"/>
+            <a:ext cx="7310034" cy="0"/>
+          </a:xfrm>
+          <a:prstGeom prst="line">
+            <a:avLst/>
+          </a:prstGeom>
+          <a:ln>
+            <a:solidFill>
+              <a:schemeClr val="tx1"/>
+            </a:solidFill>
+            <a:prstDash val="lgDash"/>
+          </a:ln>
+        </p:spPr>
+        <p:style>
+          <a:lnRef idx="1">
+            <a:schemeClr val="accent1"/>
+          </a:lnRef>
+          <a:fillRef idx="0">
+            <a:schemeClr val="accent1"/>
+          </a:fillRef>
+          <a:effectRef idx="0">
+            <a:schemeClr val="accent1"/>
+          </a:effectRef>
+          <a:fontRef idx="minor">
+            <a:schemeClr val="tx1"/>
+          </a:fontRef>
+        </p:style>
+      </p:cxnSp>
+      <p:cxnSp>
+        <p:nvCxnSpPr>
+          <p:cNvPr id="24" name="Straight Connector 23">
+            <a:extLst>
+              <a:ext uri="{FF2B5EF4-FFF2-40B4-BE49-F238E27FC236}">
+                <a16:creationId xmlns:a16="http://schemas.microsoft.com/office/drawing/2014/main" id="{450CAA07-22A8-5545-A0F9-CA1324566591}"/>
+              </a:ext>
+            </a:extLst>
+          </p:cNvPr>
+          <p:cNvCxnSpPr>
+            <a:cxnSpLocks/>
+          </p:cNvCxnSpPr>
+          <p:nvPr/>
+        </p:nvCxnSpPr>
+        <p:spPr>
+          <a:xfrm>
+            <a:off x="1301675" y="4338217"/>
+            <a:ext cx="7541110" cy="0"/>
+          </a:xfrm>
+          <a:prstGeom prst="line">
+            <a:avLst/>
+          </a:prstGeom>
+          <a:ln>
+            <a:solidFill>
+              <a:schemeClr val="tx1"/>
+            </a:solidFill>
+            <a:prstDash val="lgDash"/>
+          </a:ln>
+        </p:spPr>
+        <p:style>
+          <a:lnRef idx="1">
+            <a:schemeClr val="accent1"/>
+          </a:lnRef>
+          <a:fillRef idx="0">
+            <a:schemeClr val="accent1"/>
+          </a:fillRef>
+          <a:effectRef idx="0">
+            <a:schemeClr val="accent1"/>
+          </a:effectRef>
+          <a:fontRef idx="minor">
+            <a:schemeClr val="tx1"/>
+          </a:fontRef>
+        </p:style>
+      </p:cxnSp>
+      <p:sp>
+        <p:nvSpPr>
+          <p:cNvPr id="37" name="Rectangle 36">
+            <a:extLst>
+              <a:ext uri="{FF2B5EF4-FFF2-40B4-BE49-F238E27FC236}">
+                <a16:creationId xmlns:a16="http://schemas.microsoft.com/office/drawing/2014/main" id="{81C7EA2D-02F1-0D40-B37B-D1FC78D1CA60}"/>
+              </a:ext>
+            </a:extLst>
+          </p:cNvPr>
+          <p:cNvSpPr/>
+          <p:nvPr/>
+        </p:nvSpPr>
+        <p:spPr>
+          <a:xfrm>
+            <a:off x="7882405" y="3200241"/>
+            <a:ext cx="238270" cy="180754"/>
+          </a:xfrm>
+          <a:prstGeom prst="rect">
+            <a:avLst/>
+          </a:prstGeom>
+          <a:solidFill>
+            <a:schemeClr val="bg1"/>
+          </a:solidFill>
+          <a:ln>
+            <a:noFill/>
+          </a:ln>
+        </p:spPr>
+        <p:style>
+          <a:lnRef idx="2">
+            <a:schemeClr val="accent1">
+              <a:shade val="50000"/>
+            </a:schemeClr>
+          </a:lnRef>
+          <a:fillRef idx="1">
+            <a:schemeClr val="accent1"/>
+          </a:fillRef>
+          <a:effectRef idx="0">
+            <a:schemeClr val="accent1"/>
+          </a:effectRef>
+          <a:fontRef idx="minor">
+            <a:schemeClr val="lt1"/>
+          </a:fontRef>
+        </p:style>
+        <p:txBody>
+          <a:bodyPr rtlCol="0" anchor="ctr"/>
+          <a:lstStyle/>
+          <a:p>
+            <a:pPr algn="ctr"/>
+            <a:endParaRPr lang="en-US"/>
+          </a:p>
+        </p:txBody>
+      </p:sp>
+      <p:grpSp>
+        <p:nvGrpSpPr>
+          <p:cNvPr id="10" name="Group 9">
+            <a:extLst>
+              <a:ext uri="{FF2B5EF4-FFF2-40B4-BE49-F238E27FC236}">
+                <a16:creationId xmlns:a16="http://schemas.microsoft.com/office/drawing/2014/main" id="{A00449CD-DE58-9543-987A-4A5BA646F879}"/>
+              </a:ext>
+            </a:extLst>
+          </p:cNvPr>
+          <p:cNvGrpSpPr/>
+          <p:nvPr/>
+        </p:nvGrpSpPr>
+        <p:grpSpPr>
+          <a:xfrm>
+            <a:off x="2288863" y="5534904"/>
+            <a:ext cx="5639523" cy="188160"/>
+            <a:chOff x="2256591" y="6158853"/>
+            <a:chExt cx="5907105" cy="187843"/>
+          </a:xfrm>
+        </p:grpSpPr>
+        <p:sp>
+          <p:nvSpPr>
+            <p:cNvPr id="39" name="Rectangle 38">
+              <a:extLst>
+                <a:ext uri="{FF2B5EF4-FFF2-40B4-BE49-F238E27FC236}">
+                  <a16:creationId xmlns:a16="http://schemas.microsoft.com/office/drawing/2014/main" id="{BB3C12B3-6554-9143-AD2D-EDD93A562F8F}"/>
+                </a:ext>
+              </a:extLst>
+            </p:cNvPr>
+            <p:cNvSpPr/>
+            <p:nvPr/>
+          </p:nvSpPr>
+          <p:spPr>
+            <a:xfrm>
+              <a:off x="2256591" y="6162400"/>
+              <a:ext cx="238270" cy="180754"/>
+            </a:xfrm>
+            <a:prstGeom prst="rect">
+              <a:avLst/>
+            </a:prstGeom>
+            <a:solidFill>
+              <a:schemeClr val="bg1"/>
+            </a:solidFill>
+            <a:ln>
+              <a:noFill/>
+            </a:ln>
+          </p:spPr>
+          <p:style>
+            <a:lnRef idx="2">
+              <a:schemeClr val="accent1">
+                <a:shade val="50000"/>
+              </a:schemeClr>
+            </a:lnRef>
+            <a:fillRef idx="1">
+              <a:schemeClr val="accent1"/>
+            </a:fillRef>
+            <a:effectRef idx="0">
+              <a:schemeClr val="accent1"/>
+            </a:effectRef>
+            <a:fontRef idx="minor">
+              <a:schemeClr val="lt1"/>
+            </a:fontRef>
+          </p:style>
+          <p:txBody>
+            <a:bodyPr rtlCol="0" anchor="ctr"/>
+            <a:lstStyle/>
+            <a:p>
+              <a:pPr algn="ctr"/>
+              <a:endParaRPr lang="en-US"/>
+            </a:p>
+          </p:txBody>
+        </p:sp>
+        <p:sp>
+          <p:nvSpPr>
+            <p:cNvPr id="40" name="Rectangle 39">
+              <a:extLst>
+                <a:ext uri="{FF2B5EF4-FFF2-40B4-BE49-F238E27FC236}">
+                  <a16:creationId xmlns:a16="http://schemas.microsoft.com/office/drawing/2014/main" id="{49B26643-9B4C-BA46-A47C-9ADBB7F00383}"/>
+                </a:ext>
+              </a:extLst>
+            </p:cNvPr>
+            <p:cNvSpPr/>
+            <p:nvPr/>
+          </p:nvSpPr>
+          <p:spPr>
+            <a:xfrm>
+              <a:off x="4166056" y="6165942"/>
+              <a:ext cx="238270" cy="180754"/>
+            </a:xfrm>
+            <a:prstGeom prst="rect">
+              <a:avLst/>
+            </a:prstGeom>
+            <a:solidFill>
+              <a:schemeClr val="bg1"/>
+            </a:solidFill>
+            <a:ln>
+              <a:noFill/>
+            </a:ln>
+          </p:spPr>
+          <p:style>
+            <a:lnRef idx="2">
+              <a:schemeClr val="accent1">
+                <a:shade val="50000"/>
+              </a:schemeClr>
+            </a:lnRef>
+            <a:fillRef idx="1">
+              <a:schemeClr val="accent1"/>
+            </a:fillRef>
+            <a:effectRef idx="0">
+              <a:schemeClr val="accent1"/>
+            </a:effectRef>
+            <a:fontRef idx="minor">
+              <a:schemeClr val="lt1"/>
+            </a:fontRef>
+          </p:style>
+          <p:txBody>
+            <a:bodyPr rtlCol="0" anchor="ctr"/>
+            <a:lstStyle/>
+            <a:p>
+              <a:pPr algn="ctr"/>
+              <a:endParaRPr lang="en-US"/>
+            </a:p>
+          </p:txBody>
+        </p:sp>
+        <p:sp>
+          <p:nvSpPr>
+            <p:cNvPr id="41" name="Rectangle 40">
+              <a:extLst>
+                <a:ext uri="{FF2B5EF4-FFF2-40B4-BE49-F238E27FC236}">
+                  <a16:creationId xmlns:a16="http://schemas.microsoft.com/office/drawing/2014/main" id="{2FF7C68F-98A6-EE48-B972-8323B9CA4B77}"/>
+                </a:ext>
+              </a:extLst>
+            </p:cNvPr>
+            <p:cNvSpPr/>
+            <p:nvPr/>
+          </p:nvSpPr>
+          <p:spPr>
+            <a:xfrm>
+              <a:off x="6035810" y="6158853"/>
+              <a:ext cx="238270" cy="180754"/>
+            </a:xfrm>
+            <a:prstGeom prst="rect">
+              <a:avLst/>
+            </a:prstGeom>
+            <a:solidFill>
+              <a:schemeClr val="bg1"/>
+            </a:solidFill>
+            <a:ln>
+              <a:noFill/>
+            </a:ln>
+          </p:spPr>
+          <p:style>
+            <a:lnRef idx="2">
+              <a:schemeClr val="accent1">
+                <a:shade val="50000"/>
+              </a:schemeClr>
+            </a:lnRef>
+            <a:fillRef idx="1">
+              <a:schemeClr val="accent1"/>
+            </a:fillRef>
+            <a:effectRef idx="0">
+              <a:schemeClr val="accent1"/>
+            </a:effectRef>
+            <a:fontRef idx="minor">
+              <a:schemeClr val="lt1"/>
+            </a:fontRef>
+          </p:style>
+          <p:txBody>
+            <a:bodyPr rtlCol="0" anchor="ctr"/>
+            <a:lstStyle/>
+            <a:p>
+              <a:pPr algn="ctr"/>
+              <a:endParaRPr lang="en-US"/>
+            </a:p>
+          </p:txBody>
+        </p:sp>
+        <p:sp>
+          <p:nvSpPr>
+            <p:cNvPr id="42" name="Rectangle 41">
+              <a:extLst>
+                <a:ext uri="{FF2B5EF4-FFF2-40B4-BE49-F238E27FC236}">
+                  <a16:creationId xmlns:a16="http://schemas.microsoft.com/office/drawing/2014/main" id="{E53BC37E-2A96-FF41-8A28-8B1005D2C0C1}"/>
+                </a:ext>
+              </a:extLst>
+            </p:cNvPr>
+            <p:cNvSpPr/>
+            <p:nvPr/>
+          </p:nvSpPr>
+          <p:spPr>
+            <a:xfrm>
+              <a:off x="7925426" y="6162396"/>
+              <a:ext cx="238270" cy="180754"/>
+            </a:xfrm>
+            <a:prstGeom prst="rect">
+              <a:avLst/>
+            </a:prstGeom>
+            <a:solidFill>
+              <a:schemeClr val="bg1"/>
+            </a:solidFill>
+            <a:ln>
+              <a:noFill/>
+            </a:ln>
+          </p:spPr>
+          <p:style>
+            <a:lnRef idx="2">
+              <a:schemeClr val="accent1">
+                <a:shade val="50000"/>
+              </a:schemeClr>
+            </a:lnRef>
+            <a:fillRef idx="1">
+              <a:schemeClr val="accent1"/>
+            </a:fillRef>
+            <a:effectRef idx="0">
+              <a:schemeClr val="accent1"/>
+            </a:effectRef>
+            <a:fontRef idx="minor">
+              <a:schemeClr val="lt1"/>
+            </a:fontRef>
+          </p:style>
+          <p:txBody>
+            <a:bodyPr rtlCol="0" anchor="ctr"/>
+            <a:lstStyle/>
+            <a:p>
+              <a:pPr algn="ctr"/>
+              <a:endParaRPr lang="en-US"/>
+            </a:p>
+          </p:txBody>
+        </p:sp>
+      </p:grpSp>
+      <p:sp>
+        <p:nvSpPr>
+          <p:cNvPr id="13" name="Rectangle 12">
+            <a:extLst>
+              <a:ext uri="{FF2B5EF4-FFF2-40B4-BE49-F238E27FC236}">
+                <a16:creationId xmlns:a16="http://schemas.microsoft.com/office/drawing/2014/main" id="{427E5D27-0DE9-4B44-881E-1527339A2722}"/>
+              </a:ext>
+            </a:extLst>
+          </p:cNvPr>
+          <p:cNvSpPr/>
+          <p:nvPr/>
+        </p:nvSpPr>
+        <p:spPr>
+          <a:xfrm>
+            <a:off x="6675971" y="5632097"/>
+            <a:ext cx="1075936" cy="461665"/>
+          </a:xfrm>
+          <a:prstGeom prst="rect">
+            <a:avLst/>
+          </a:prstGeom>
+        </p:spPr>
+        <p:txBody>
+          <a:bodyPr wrap="none">
+            <a:spAutoFit/>
+          </a:bodyPr>
+          <a:lstStyle/>
+          <a:p>
+            <a:r>
+              <a:rPr lang="en-US" sz="2400">
+                <a:latin typeface="Swell Braille" pitchFamily="49"/>
+              </a:rPr>
+              <a:t>⠼⠁⠚⠚</a:t>
+            </a:r>
+          </a:p>
+        </p:txBody>
+      </p:sp>
+      <p:sp>
+        <p:nvSpPr>
+          <p:cNvPr id="44" name="TextBox 43">
+            <a:extLst>
+              <a:ext uri="{FF2B5EF4-FFF2-40B4-BE49-F238E27FC236}">
+                <a16:creationId xmlns:a16="http://schemas.microsoft.com/office/drawing/2014/main" id="{AA473D51-B196-7040-A3F2-971686FEDD07}"/>
+              </a:ext>
+            </a:extLst>
+          </p:cNvPr>
+          <p:cNvSpPr txBox="1"/>
+          <p:nvPr/>
+        </p:nvSpPr>
+        <p:spPr>
+          <a:xfrm>
+            <a:off x="187414" y="2764901"/>
+            <a:ext cx="1075936" cy="461665"/>
+          </a:xfrm>
+          <a:prstGeom prst="rect">
+            <a:avLst/>
+          </a:prstGeom>
+          <a:noFill/>
+        </p:spPr>
+        <p:txBody>
+          <a:bodyPr wrap="none" rtlCol="0">
+            <a:spAutoFit/>
+          </a:bodyPr>
+          <a:lstStyle/>
+          <a:p>
+            <a:r>
+              <a:rPr lang="en-US" sz="2400" dirty="0">
+                <a:latin typeface="Swell Braille" pitchFamily="49"/>
+              </a:rPr>
+              <a:t>⠼⠁⠋⠚</a:t>
+            </a:r>
+          </a:p>
+        </p:txBody>
+      </p:sp>
+      <p:sp>
+        <p:nvSpPr>
+          <p:cNvPr id="28" name="Rectangle 27">
+            <a:extLst>
+              <a:ext uri="{FF2B5EF4-FFF2-40B4-BE49-F238E27FC236}">
+                <a16:creationId xmlns:a16="http://schemas.microsoft.com/office/drawing/2014/main" id="{5EE2C064-DF41-4246-B958-CB40862A151C}"/>
+              </a:ext>
+            </a:extLst>
+          </p:cNvPr>
+          <p:cNvSpPr/>
+          <p:nvPr/>
+        </p:nvSpPr>
+        <p:spPr>
+          <a:xfrm>
+            <a:off x="-25167" y="5285178"/>
+            <a:ext cx="1315160" cy="461665"/>
+          </a:xfrm>
+          <a:prstGeom prst="rect">
+            <a:avLst/>
+          </a:prstGeom>
+        </p:spPr>
+        <p:txBody>
+          <a:bodyPr wrap="square">
+            <a:spAutoFit/>
+          </a:bodyPr>
+          <a:lstStyle/>
+          <a:p>
+            <a:r>
+              <a:rPr lang="en-US" sz="2400" dirty="0">
+                <a:latin typeface="Swell Braille" pitchFamily="49"/>
+              </a:rPr>
+              <a:t>"⠤⠼⠁⠚</a:t>
+            </a:r>
+          </a:p>
+        </p:txBody>
+      </p:sp>
+      <p:sp>
+        <p:nvSpPr>
+          <p:cNvPr id="29" name="Rectangle 28">
+            <a:extLst>
+              <a:ext uri="{FF2B5EF4-FFF2-40B4-BE49-F238E27FC236}">
+                <a16:creationId xmlns:a16="http://schemas.microsoft.com/office/drawing/2014/main" id="{F28ADDD4-3D3C-3E4D-9F26-B9EA0F328F33}"/>
+              </a:ext>
+            </a:extLst>
+          </p:cNvPr>
+          <p:cNvSpPr/>
+          <p:nvPr/>
+        </p:nvSpPr>
+        <p:spPr>
+          <a:xfrm>
+            <a:off x="628552" y="4102714"/>
+            <a:ext cx="649537" cy="461665"/>
+          </a:xfrm>
+          <a:prstGeom prst="rect">
+            <a:avLst/>
+          </a:prstGeom>
+        </p:spPr>
+        <p:txBody>
+          <a:bodyPr wrap="none">
+            <a:spAutoFit/>
+          </a:bodyPr>
+          <a:lstStyle/>
+          <a:p>
+            <a:r>
+              <a:rPr lang="en-US" sz="2400" dirty="0">
+                <a:latin typeface="Swell Braille" pitchFamily="49"/>
+              </a:rPr>
+              <a:t>⠼⠚</a:t>
+            </a:r>
+          </a:p>
+        </p:txBody>
+      </p:sp>
+      <p:sp>
+        <p:nvSpPr>
+          <p:cNvPr id="31" name="Rectangle 30">
+            <a:extLst>
+              <a:ext uri="{FF2B5EF4-FFF2-40B4-BE49-F238E27FC236}">
+                <a16:creationId xmlns:a16="http://schemas.microsoft.com/office/drawing/2014/main" id="{8F38B2D4-FE17-3541-8DB6-0FDF427BF1F0}"/>
+              </a:ext>
+            </a:extLst>
+          </p:cNvPr>
+          <p:cNvSpPr/>
+          <p:nvPr/>
+        </p:nvSpPr>
+        <p:spPr>
+          <a:xfrm>
+            <a:off x="640191" y="3643822"/>
+            <a:ext cx="649537" cy="461665"/>
+          </a:xfrm>
+          <a:prstGeom prst="rect">
+            <a:avLst/>
+          </a:prstGeom>
+        </p:spPr>
+        <p:txBody>
+          <a:bodyPr wrap="none">
+            <a:spAutoFit/>
+          </a:bodyPr>
+          <a:lstStyle/>
+          <a:p>
+            <a:r>
+              <a:rPr lang="en-US" sz="2400" dirty="0">
+                <a:latin typeface="Swell Braille" pitchFamily="49"/>
+              </a:rPr>
+              <a:t>⠼⠙</a:t>
+            </a:r>
+          </a:p>
+        </p:txBody>
+      </p:sp>
+      <p:sp>
+        <p:nvSpPr>
+          <p:cNvPr id="46" name="Rectangle 45">
+            <a:extLst>
+              <a:ext uri="{FF2B5EF4-FFF2-40B4-BE49-F238E27FC236}">
+                <a16:creationId xmlns:a16="http://schemas.microsoft.com/office/drawing/2014/main" id="{7278B7FB-C9DD-4344-A4A2-3F16B120D501}"/>
+              </a:ext>
+            </a:extLst>
+          </p:cNvPr>
+          <p:cNvSpPr/>
+          <p:nvPr/>
+        </p:nvSpPr>
+        <p:spPr>
+          <a:xfrm>
+            <a:off x="1077639" y="6126476"/>
+            <a:ext cx="7808181" cy="461665"/>
+          </a:xfrm>
+          <a:prstGeom prst="rect">
+            <a:avLst/>
+          </a:prstGeom>
+        </p:spPr>
+        <p:txBody>
+          <a:bodyPr wrap="square">
+            <a:spAutoFit/>
+          </a:bodyPr>
+          <a:lstStyle/>
+          <a:p>
+            <a:r>
+              <a:rPr lang="en-US" sz="2400" dirty="0">
+                <a:latin typeface="Swell Braille" pitchFamily="49"/>
+              </a:rPr>
+              <a:t>⠠⠹⠳⠎⠯⠎⠀⠷⠀⠽⠑⠜⠎⠀2f pres5t ⠐⠣</a:t>
+            </a:r>
+            <a:r>
+              <a:rPr lang="en-US" sz="2400" dirty="0">
+                <a:latin typeface="Swell Braille" pitchFamily="49"/>
+                <a:ea typeface="Braille Normal" charset="0"/>
+                <a:cs typeface="Arial" panose="020B0604020202020204" pitchFamily="34" charset="0"/>
+              </a:rPr>
+              <a:t>⠼⠁⠊⠑⠚⠐⠜</a:t>
+            </a:r>
+            <a:endParaRPr lang="en-US" sz="2400" dirty="0">
+              <a:latin typeface="Swell Braille" pitchFamily="49"/>
+            </a:endParaRPr>
+          </a:p>
+        </p:txBody>
+      </p:sp>
+      <p:cxnSp>
+        <p:nvCxnSpPr>
+          <p:cNvPr id="48" name="Straight Connector 47">
+            <a:extLst>
+              <a:ext uri="{FF2B5EF4-FFF2-40B4-BE49-F238E27FC236}">
+                <a16:creationId xmlns:a16="http://schemas.microsoft.com/office/drawing/2014/main" id="{B7C9B7C3-4643-C34A-91C6-7D21A906AF7A}"/>
+              </a:ext>
+            </a:extLst>
+          </p:cNvPr>
+          <p:cNvCxnSpPr/>
+          <p:nvPr/>
+        </p:nvCxnSpPr>
+        <p:spPr>
+          <a:xfrm>
+            <a:off x="8518615" y="49533"/>
+            <a:ext cx="608575" cy="608576"/>
+          </a:xfrm>
+          <a:prstGeom prst="line">
+            <a:avLst/>
+          </a:prstGeom>
+          <a:ln>
+            <a:solidFill>
+              <a:schemeClr val="tx1"/>
+            </a:solidFill>
+            <a:prstDash val="dash"/>
+          </a:ln>
+        </p:spPr>
+        <p:style>
+          <a:lnRef idx="1">
+            <a:schemeClr val="accent1"/>
+          </a:lnRef>
+          <a:fillRef idx="0">
+            <a:schemeClr val="accent1"/>
+          </a:fillRef>
+          <a:effectRef idx="0">
+            <a:schemeClr val="accent1"/>
+          </a:effectRef>
+          <a:fontRef idx="minor">
+            <a:schemeClr val="tx1"/>
+          </a:fontRef>
+        </p:style>
+      </p:cxnSp>
+      <p:sp>
+        <p:nvSpPr>
+          <p:cNvPr id="49" name="TextBox 48">
+            <a:extLst>
+              <a:ext uri="{FF2B5EF4-FFF2-40B4-BE49-F238E27FC236}">
+                <a16:creationId xmlns:a16="http://schemas.microsoft.com/office/drawing/2014/main" id="{B510F38D-56CB-4041-94C9-9F6976C41D3C}"/>
+              </a:ext>
+            </a:extLst>
+          </p:cNvPr>
+          <p:cNvSpPr txBox="1"/>
+          <p:nvPr/>
+        </p:nvSpPr>
+        <p:spPr>
+          <a:xfrm rot="13228796" flipH="1">
+            <a:off x="8646843" y="164291"/>
+            <a:ext cx="380261" cy="369332"/>
+          </a:xfrm>
+          <a:prstGeom prst="rect">
+            <a:avLst/>
+          </a:prstGeom>
+          <a:noFill/>
+        </p:spPr>
+        <p:txBody>
+          <a:bodyPr wrap="square" rtlCol="0">
+            <a:spAutoFit/>
+          </a:bodyPr>
+          <a:lstStyle/>
+          <a:p>
+            <a:r>
+              <a:rPr lang="en-US"/>
+              <a:t>✄ </a:t>
+            </a:r>
+          </a:p>
+        </p:txBody>
+      </p:sp>
+      <p:grpSp>
+        <p:nvGrpSpPr>
+          <p:cNvPr id="12" name="Group 11">
+            <a:extLst>
+              <a:ext uri="{FF2B5EF4-FFF2-40B4-BE49-F238E27FC236}">
+                <a16:creationId xmlns:a16="http://schemas.microsoft.com/office/drawing/2014/main" id="{C84797BE-ACE2-8D43-A29B-72B1609A273C}"/>
+              </a:ext>
+            </a:extLst>
+          </p:cNvPr>
+          <p:cNvGrpSpPr/>
+          <p:nvPr/>
+        </p:nvGrpSpPr>
+        <p:grpSpPr>
+          <a:xfrm>
+            <a:off x="2235086" y="3011935"/>
+            <a:ext cx="5615278" cy="189720"/>
+            <a:chOff x="2235086" y="3011935"/>
+            <a:chExt cx="5615278" cy="189720"/>
+          </a:xfrm>
+        </p:grpSpPr>
+        <p:sp>
+          <p:nvSpPr>
+            <p:cNvPr id="8" name="Rectangle 7">
+              <a:extLst>
+                <a:ext uri="{FF2B5EF4-FFF2-40B4-BE49-F238E27FC236}">
+                  <a16:creationId xmlns:a16="http://schemas.microsoft.com/office/drawing/2014/main" id="{3CE41167-E012-8342-BC8D-72762CCABF19}"/>
+                </a:ext>
+              </a:extLst>
+            </p:cNvPr>
+            <p:cNvSpPr/>
+            <p:nvPr/>
+          </p:nvSpPr>
+          <p:spPr>
+            <a:xfrm>
+              <a:off x="2235086" y="3017359"/>
+              <a:ext cx="238270" cy="180754"/>
+            </a:xfrm>
+            <a:prstGeom prst="rect">
+              <a:avLst/>
+            </a:prstGeom>
+            <a:solidFill>
+              <a:schemeClr val="bg1"/>
+            </a:solidFill>
+            <a:ln>
+              <a:noFill/>
+            </a:ln>
+          </p:spPr>
+          <p:style>
+            <a:lnRef idx="2">
+              <a:schemeClr val="accent1">
+                <a:shade val="50000"/>
+              </a:schemeClr>
+            </a:lnRef>
+            <a:fillRef idx="1">
+              <a:schemeClr val="accent1"/>
+            </a:fillRef>
+            <a:effectRef idx="0">
+              <a:schemeClr val="accent1"/>
+            </a:effectRef>
+            <a:fontRef idx="minor">
+              <a:schemeClr val="lt1"/>
+            </a:fontRef>
+          </p:style>
+          <p:txBody>
+            <a:bodyPr rtlCol="0" anchor="ctr"/>
+            <a:lstStyle/>
+            <a:p>
+              <a:pPr algn="ctr"/>
+              <a:endParaRPr lang="en-US"/>
+            </a:p>
+          </p:txBody>
+        </p:sp>
+        <p:grpSp>
+          <p:nvGrpSpPr>
+            <p:cNvPr id="11" name="Group 10">
+              <a:extLst>
+                <a:ext uri="{FF2B5EF4-FFF2-40B4-BE49-F238E27FC236}">
+                  <a16:creationId xmlns:a16="http://schemas.microsoft.com/office/drawing/2014/main" id="{C1E6537D-D185-0A4A-AFE9-8F7BE320C6F3}"/>
+                </a:ext>
+              </a:extLst>
+            </p:cNvPr>
+            <p:cNvGrpSpPr/>
+            <p:nvPr/>
+          </p:nvGrpSpPr>
+          <p:grpSpPr>
+            <a:xfrm>
+              <a:off x="4144552" y="3011935"/>
+              <a:ext cx="3705812" cy="189720"/>
+              <a:chOff x="4144552" y="3011935"/>
+              <a:chExt cx="3705812" cy="189720"/>
+            </a:xfrm>
+          </p:grpSpPr>
+          <p:sp>
+            <p:nvSpPr>
+              <p:cNvPr id="33" name="Rectangle 32">
+                <a:extLst>
+                  <a:ext uri="{FF2B5EF4-FFF2-40B4-BE49-F238E27FC236}">
+                    <a16:creationId xmlns:a16="http://schemas.microsoft.com/office/drawing/2014/main" id="{CAE1AADE-C9B1-E14D-953B-BA7550ECBBE0}"/>
+                  </a:ext>
+                </a:extLst>
+              </p:cNvPr>
+              <p:cNvSpPr/>
+              <p:nvPr/>
+            </p:nvSpPr>
+            <p:spPr>
+              <a:xfrm>
+                <a:off x="4144552" y="3020901"/>
+                <a:ext cx="238270" cy="180754"/>
+              </a:xfrm>
+              <a:prstGeom prst="rect">
+                <a:avLst/>
+              </a:prstGeom>
+              <a:solidFill>
+                <a:schemeClr val="bg1"/>
+              </a:solidFill>
+              <a:ln>
+                <a:noFill/>
+              </a:ln>
+            </p:spPr>
+            <p:style>
+              <a:lnRef idx="2">
+                <a:schemeClr val="accent1">
+                  <a:shade val="50000"/>
+                </a:schemeClr>
+              </a:lnRef>
+              <a:fillRef idx="1">
+                <a:schemeClr val="accent1"/>
+              </a:fillRef>
+              <a:effectRef idx="0">
+                <a:schemeClr val="accent1"/>
+              </a:effectRef>
+              <a:fontRef idx="minor">
+                <a:schemeClr val="lt1"/>
+              </a:fontRef>
+            </p:style>
+            <p:txBody>
+              <a:bodyPr rtlCol="0" anchor="ctr"/>
+              <a:lstStyle/>
+              <a:p>
+                <a:pPr algn="ctr"/>
+                <a:endParaRPr lang="en-US"/>
+              </a:p>
+            </p:txBody>
+          </p:sp>
+          <p:sp>
+            <p:nvSpPr>
+              <p:cNvPr id="35" name="Rectangle 34">
+                <a:extLst>
+                  <a:ext uri="{FF2B5EF4-FFF2-40B4-BE49-F238E27FC236}">
+                    <a16:creationId xmlns:a16="http://schemas.microsoft.com/office/drawing/2014/main" id="{3A2BADDB-ADAC-D342-A3D1-33457AC83BF7}"/>
+                  </a:ext>
+                </a:extLst>
+              </p:cNvPr>
+              <p:cNvSpPr/>
+              <p:nvPr/>
+            </p:nvSpPr>
+            <p:spPr>
+              <a:xfrm>
+                <a:off x="5835290" y="3011935"/>
+                <a:ext cx="238270" cy="180754"/>
+              </a:xfrm>
+              <a:prstGeom prst="rect">
+                <a:avLst/>
+              </a:prstGeom>
+              <a:solidFill>
+                <a:schemeClr val="bg1"/>
+              </a:solidFill>
+              <a:ln>
+                <a:noFill/>
+              </a:ln>
+            </p:spPr>
+            <p:style>
+              <a:lnRef idx="2">
+                <a:schemeClr val="accent1">
+                  <a:shade val="50000"/>
+                </a:schemeClr>
+              </a:lnRef>
+              <a:fillRef idx="1">
+                <a:schemeClr val="accent1"/>
+              </a:fillRef>
+              <a:effectRef idx="0">
+                <a:schemeClr val="accent1"/>
+              </a:effectRef>
+              <a:fontRef idx="minor">
+                <a:schemeClr val="lt1"/>
+              </a:fontRef>
+            </p:style>
+            <p:txBody>
+              <a:bodyPr rtlCol="0" anchor="ctr"/>
+              <a:lstStyle/>
+              <a:p>
+                <a:pPr algn="ctr"/>
+                <a:endParaRPr lang="en-US"/>
+              </a:p>
+            </p:txBody>
+          </p:sp>
+          <p:sp useBgFill="1">
+            <p:nvSpPr>
+              <p:cNvPr id="36" name="Rectangle 35">
+                <a:extLst>
+                  <a:ext uri="{FF2B5EF4-FFF2-40B4-BE49-F238E27FC236}">
+                    <a16:creationId xmlns:a16="http://schemas.microsoft.com/office/drawing/2014/main" id="{B53A3615-2FF0-1E4A-A487-0DBC9BC53457}"/>
+                  </a:ext>
+                </a:extLst>
+              </p:cNvPr>
+              <p:cNvSpPr/>
+              <p:nvPr/>
+            </p:nvSpPr>
+            <p:spPr>
+              <a:xfrm>
+                <a:off x="7612094" y="3013727"/>
+                <a:ext cx="238270" cy="180754"/>
+              </a:xfrm>
+              <a:prstGeom prst="rect">
+                <a:avLst/>
+              </a:prstGeom>
+              <a:ln>
+                <a:noFill/>
+              </a:ln>
+            </p:spPr>
+            <p:style>
+              <a:lnRef idx="2">
+                <a:schemeClr val="accent1">
+                  <a:shade val="50000"/>
+                </a:schemeClr>
+              </a:lnRef>
+              <a:fillRef idx="1">
+                <a:schemeClr val="accent1"/>
+              </a:fillRef>
+              <a:effectRef idx="0">
+                <a:schemeClr val="accent1"/>
+              </a:effectRef>
+              <a:fontRef idx="minor">
+                <a:schemeClr val="lt1"/>
+              </a:fontRef>
+            </p:style>
+            <p:txBody>
+              <a:bodyPr rtlCol="0" anchor="ctr"/>
+              <a:lstStyle/>
+              <a:p>
+                <a:pPr algn="ctr"/>
+                <a:endParaRPr lang="en-US"/>
+              </a:p>
+            </p:txBody>
+          </p:sp>
+        </p:grpSp>
+      </p:grpSp>
+    </p:spTree>
+    <p:extLst>
+      <p:ext uri="{BB962C8B-B14F-4D97-AF65-F5344CB8AC3E}">
+        <p14:creationId xmlns:p14="http://schemas.microsoft.com/office/powerpoint/2010/main" val="3072191478"/>
       </p:ext>
     </p:extLst>
   </p:cSld>
